--- a/문서자료/AccountBook_최종발표_PPT.pptx
+++ b/문서자료/AccountBook_최종발표_PPT.pptx
@@ -16,15 +16,17 @@
     <p:sldId id="264" r:id="rId10"/>
     <p:sldId id="265" r:id="rId11"/>
     <p:sldId id="266" r:id="rId12"/>
-    <p:sldId id="268" r:id="rId13"/>
-    <p:sldId id="269" r:id="rId14"/>
-    <p:sldId id="267" r:id="rId15"/>
-    <p:sldId id="274" r:id="rId16"/>
-    <p:sldId id="275" r:id="rId17"/>
-    <p:sldId id="271" r:id="rId18"/>
-    <p:sldId id="272" r:id="rId19"/>
-    <p:sldId id="273" r:id="rId20"/>
-    <p:sldId id="270" r:id="rId21"/>
+    <p:sldId id="267" r:id="rId13"/>
+    <p:sldId id="274" r:id="rId14"/>
+    <p:sldId id="275" r:id="rId15"/>
+    <p:sldId id="277" r:id="rId16"/>
+    <p:sldId id="278" r:id="rId17"/>
+    <p:sldId id="276" r:id="rId18"/>
+    <p:sldId id="271" r:id="rId19"/>
+    <p:sldId id="272" r:id="rId20"/>
+    <p:sldId id="273" r:id="rId21"/>
+    <p:sldId id="270" r:id="rId22"/>
+    <p:sldId id="279" r:id="rId23"/>
   </p:sldIdLst>
   <p:sldSz cx="12192000" cy="6858000"/>
   <p:notesSz cx="6858000" cy="9144000"/>
@@ -123,6 +125,11 @@
       </a:defRPr>
     </a:lvl9pPr>
   </p:defaultTextStyle>
+  <p:extLst>
+    <p:ext uri="{EFAFB233-063F-42B5-8137-9DF3F51BA10A}">
+      <p15:sldGuideLst xmlns:p15="http://schemas.microsoft.com/office/powerpoint/2012/main"/>
+    </p:ext>
+  </p:extLst>
 </p:presentation>
 </file>
 
@@ -3690,7 +3697,7 @@
           <p:cNvPr id="2" name="제목 1">
             <a:extLst>
               <a:ext uri="{FF2B5EF4-FFF2-40B4-BE49-F238E27FC236}">
-                <a16:creationId xmlns:a16="http://schemas.microsoft.com/office/drawing/2014/main" id="{B8BEC4BD-C80F-4BE4-A3AD-9C82F369B2C6}"/>
+                <a16:creationId xmlns:a16="http://schemas.microsoft.com/office/drawing/2014/main" id="{7AC6F98B-AB17-4E2B-A078-0A6BC727E6C8}"/>
               </a:ext>
             </a:extLst>
           </p:cNvPr>
@@ -3708,1510 +3715,86 @@
           <a:p>
             <a:r>
               <a:rPr lang="ko-KR" altLang="fr-FR"/>
-              <a:t>네이티브 앱과의 성능 비교</a:t>
-            </a:r>
-            <a:endParaRPr lang="fr-FR"/>
-          </a:p>
-        </p:txBody>
-      </p:sp>
-      <p:graphicFrame>
-        <p:nvGraphicFramePr>
-          <p:cNvPr id="4" name="내용 개체 틀 3">
-            <a:extLst>
-              <a:ext uri="{FF2B5EF4-FFF2-40B4-BE49-F238E27FC236}">
-                <a16:creationId xmlns:a16="http://schemas.microsoft.com/office/drawing/2014/main" id="{BD2F8266-2A79-4226-8C6E-5E1B2FCF854B}"/>
-              </a:ext>
-            </a:extLst>
-          </p:cNvPr>
-          <p:cNvGraphicFramePr>
-            <a:graphicFrameLocks noGrp="1"/>
-          </p:cNvGraphicFramePr>
+              <a:t>팀원 개별발표</a:t>
+            </a:r>
+            <a:r>
+              <a:rPr lang="fr-FR" altLang="ko-KR"/>
+              <a:t>: </a:t>
+            </a:r>
+            <a:r>
+              <a:rPr lang="ko-KR" altLang="fr-FR"/>
+              <a:t>이자룡</a:t>
+            </a:r>
+            <a:endParaRPr lang="fr-FR"/>
+          </a:p>
+        </p:txBody>
+      </p:sp>
+      <p:sp>
+        <p:nvSpPr>
+          <p:cNvPr id="3" name="내용 개체 틀 2">
+            <a:extLst>
+              <a:ext uri="{FF2B5EF4-FFF2-40B4-BE49-F238E27FC236}">
+                <a16:creationId xmlns:a16="http://schemas.microsoft.com/office/drawing/2014/main" id="{72B8B9EC-ABCC-4ECE-98DD-F61C3A70EA08}"/>
+              </a:ext>
+            </a:extLst>
+          </p:cNvPr>
+          <p:cNvSpPr>
+            <a:spLocks noGrp="1"/>
+          </p:cNvSpPr>
           <p:nvPr>
             <p:ph idx="1"/>
-            <p:extLst>
-              <p:ext uri="{D42A27DB-BD31-4B8C-83A1-F6EECF244321}">
-                <p14:modId xmlns:p14="http://schemas.microsoft.com/office/powerpoint/2010/main" val="1918798396"/>
-              </p:ext>
-            </p:extLst>
-          </p:nvPr>
-        </p:nvGraphicFramePr>
-        <p:xfrm>
-          <a:off x="1881809" y="1690688"/>
-          <a:ext cx="6997148" cy="4378809"/>
-        </p:xfrm>
-        <a:graphic>
-          <a:graphicData uri="http://schemas.openxmlformats.org/drawingml/2006/table">
-            <a:tbl>
-              <a:tblPr/>
-              <a:tblGrid>
-                <a:gridCol w="3051463">
-                  <a:extLst>
-                    <a:ext uri="{9D8B030D-6E8A-4147-A177-3AD203B41FA5}">
-                      <a16:colId xmlns:a16="http://schemas.microsoft.com/office/drawing/2014/main" val="2425925837"/>
-                    </a:ext>
-                  </a:extLst>
-                </a:gridCol>
-                <a:gridCol w="2005057">
-                  <a:extLst>
-                    <a:ext uri="{9D8B030D-6E8A-4147-A177-3AD203B41FA5}">
-                      <a16:colId xmlns:a16="http://schemas.microsoft.com/office/drawing/2014/main" val="1807802612"/>
-                    </a:ext>
-                  </a:extLst>
-                </a:gridCol>
-                <a:gridCol w="1940628">
-                  <a:extLst>
-                    <a:ext uri="{9D8B030D-6E8A-4147-A177-3AD203B41FA5}">
-                      <a16:colId xmlns:a16="http://schemas.microsoft.com/office/drawing/2014/main" val="1458958961"/>
-                    </a:ext>
-                  </a:extLst>
-                </a:gridCol>
-              </a:tblGrid>
-              <a:tr h="601898">
-                <a:tc>
-                  <a:txBody>
-                    <a:bodyPr/>
-                    <a:lstStyle/>
-                    <a:p>
-                      <a:pPr algn="ctr">
-                        <a:lnSpc>
-                          <a:spcPct val="160000"/>
-                        </a:lnSpc>
-                        <a:spcBef>
-                          <a:spcPts val="0"/>
-                        </a:spcBef>
-                        <a:spcAft>
-                          <a:spcPts val="0"/>
-                        </a:spcAft>
-                      </a:pPr>
-                      <a:r>
-                        <a:rPr lang="ko-KR" altLang="fr-FR" sz="1000">
-                          <a:solidFill>
-                            <a:srgbClr val="000000"/>
-                          </a:solidFill>
-                          <a:effectLst/>
-                          <a:latin typeface="맑은 고딕" panose="020B0503020000020004" pitchFamily="50" charset="-127"/>
-                          <a:ea typeface="맑은 고딕" panose="020B0503020000020004" pitchFamily="50" charset="-127"/>
-                        </a:rPr>
-                        <a:t>특성</a:t>
-                      </a:r>
-                      <a:endParaRPr lang="ko-KR" altLang="fr-FR">
-                        <a:effectLst/>
-                      </a:endParaRPr>
-                    </a:p>
-                  </a:txBody>
-                  <a:tcPr marL="53340" marR="53340" marT="53340" marB="53340" anchor="ctr">
-                    <a:lnL w="13970" cap="flat" cmpd="sng" algn="ctr">
-                      <a:solidFill>
-                        <a:srgbClr val="000000"/>
-                      </a:solidFill>
-                      <a:prstDash val="solid"/>
-                      <a:round/>
-                      <a:headEnd type="none" w="med" len="med"/>
-                      <a:tailEnd type="none" w="med" len="med"/>
-                    </a:lnL>
-                    <a:lnR w="3810" cap="flat" cmpd="sng" algn="ctr">
-                      <a:solidFill>
-                        <a:srgbClr val="BBBBBB"/>
-                      </a:solidFill>
-                      <a:prstDash val="solid"/>
-                      <a:round/>
-                      <a:headEnd type="none" w="med" len="med"/>
-                      <a:tailEnd type="none" w="med" len="med"/>
-                    </a:lnR>
-                    <a:lnT w="13970" cap="flat" cmpd="sng" algn="ctr">
-                      <a:solidFill>
-                        <a:srgbClr val="000000"/>
-                      </a:solidFill>
-                      <a:prstDash val="solid"/>
-                      <a:round/>
-                      <a:headEnd type="none" w="med" len="med"/>
-                      <a:tailEnd type="none" w="med" len="med"/>
-                    </a:lnT>
-                    <a:lnB w="3810" cap="flat" cmpd="sng" algn="ctr">
-                      <a:solidFill>
-                        <a:srgbClr val="BBBBBB"/>
-                      </a:solidFill>
-                      <a:prstDash val="solid"/>
-                      <a:round/>
-                      <a:headEnd type="none" w="med" len="med"/>
-                      <a:tailEnd type="none" w="med" len="med"/>
-                    </a:lnB>
-                    <a:solidFill>
-                      <a:schemeClr val="bg2"/>
-                    </a:solidFill>
-                  </a:tcPr>
-                </a:tc>
-                <a:tc>
-                  <a:txBody>
-                    <a:bodyPr/>
-                    <a:lstStyle/>
-                    <a:p>
-                      <a:pPr algn="ctr">
-                        <a:lnSpc>
-                          <a:spcPct val="160000"/>
-                        </a:lnSpc>
-                        <a:spcBef>
-                          <a:spcPts val="0"/>
-                        </a:spcBef>
-                        <a:spcAft>
-                          <a:spcPts val="0"/>
-                        </a:spcAft>
-                      </a:pPr>
-                      <a:r>
-                        <a:rPr lang="ko-KR" altLang="fr-FR" sz="1000">
-                          <a:solidFill>
-                            <a:srgbClr val="000000"/>
-                          </a:solidFill>
-                          <a:effectLst/>
-                          <a:latin typeface="맑은 고딕" panose="020B0503020000020004" pitchFamily="50" charset="-127"/>
-                          <a:ea typeface="맑은 고딕" panose="020B0503020000020004" pitchFamily="50" charset="-127"/>
-                        </a:rPr>
-                        <a:t>네이티브 앱</a:t>
-                      </a:r>
-                      <a:endParaRPr lang="ko-KR" altLang="fr-FR">
-                        <a:effectLst/>
-                      </a:endParaRPr>
-                    </a:p>
-                  </a:txBody>
-                  <a:tcPr marL="53340" marR="53340" marT="53340" marB="53340" anchor="ctr">
-                    <a:lnL w="3810" cap="flat" cmpd="sng" algn="ctr">
-                      <a:solidFill>
-                        <a:srgbClr val="BBBBBB"/>
-                      </a:solidFill>
-                      <a:prstDash val="solid"/>
-                      <a:round/>
-                      <a:headEnd type="none" w="med" len="med"/>
-                      <a:tailEnd type="none" w="med" len="med"/>
-                    </a:lnL>
-                    <a:lnR w="3810" cap="flat" cmpd="sng" algn="ctr">
-                      <a:solidFill>
-                        <a:srgbClr val="BBBBBB"/>
-                      </a:solidFill>
-                      <a:prstDash val="solid"/>
-                      <a:round/>
-                      <a:headEnd type="none" w="med" len="med"/>
-                      <a:tailEnd type="none" w="med" len="med"/>
-                    </a:lnR>
-                    <a:lnT w="13970" cap="flat" cmpd="sng" algn="ctr">
-                      <a:solidFill>
-                        <a:srgbClr val="000000"/>
-                      </a:solidFill>
-                      <a:prstDash val="solid"/>
-                      <a:round/>
-                      <a:headEnd type="none" w="med" len="med"/>
-                      <a:tailEnd type="none" w="med" len="med"/>
-                    </a:lnT>
-                    <a:lnB w="3810" cap="flat" cmpd="sng" algn="ctr">
-                      <a:solidFill>
-                        <a:srgbClr val="BBBBBB"/>
-                      </a:solidFill>
-                      <a:prstDash val="solid"/>
-                      <a:round/>
-                      <a:headEnd type="none" w="med" len="med"/>
-                      <a:tailEnd type="none" w="med" len="med"/>
-                    </a:lnB>
-                    <a:solidFill>
-                      <a:schemeClr val="bg2"/>
-                    </a:solidFill>
-                  </a:tcPr>
-                </a:tc>
-                <a:tc>
-                  <a:txBody>
-                    <a:bodyPr/>
-                    <a:lstStyle/>
-                    <a:p>
-                      <a:pPr algn="ctr">
-                        <a:lnSpc>
-                          <a:spcPct val="160000"/>
-                        </a:lnSpc>
-                        <a:spcBef>
-                          <a:spcPts val="0"/>
-                        </a:spcBef>
-                        <a:spcAft>
-                          <a:spcPts val="0"/>
-                        </a:spcAft>
-                      </a:pPr>
-                      <a:r>
-                        <a:rPr lang="ko-KR" altLang="fr-FR" sz="1000">
-                          <a:solidFill>
-                            <a:srgbClr val="000000"/>
-                          </a:solidFill>
-                          <a:effectLst/>
-                          <a:latin typeface="맑은 고딕" panose="020B0503020000020004" pitchFamily="50" charset="-127"/>
-                          <a:ea typeface="맑은 고딕" panose="020B0503020000020004" pitchFamily="50" charset="-127"/>
-                        </a:rPr>
-                        <a:t>웹 앱</a:t>
-                      </a:r>
-                      <a:endParaRPr lang="ko-KR" altLang="fr-FR">
-                        <a:effectLst/>
-                      </a:endParaRPr>
-                    </a:p>
-                  </a:txBody>
-                  <a:tcPr marL="53340" marR="53340" marT="53340" marB="53340" anchor="ctr">
-                    <a:lnL w="3810" cap="flat" cmpd="sng" algn="ctr">
-                      <a:solidFill>
-                        <a:srgbClr val="BBBBBB"/>
-                      </a:solidFill>
-                      <a:prstDash val="solid"/>
-                      <a:round/>
-                      <a:headEnd type="none" w="med" len="med"/>
-                      <a:tailEnd type="none" w="med" len="med"/>
-                    </a:lnL>
-                    <a:lnR w="13970" cap="flat" cmpd="sng" algn="ctr">
-                      <a:solidFill>
-                        <a:srgbClr val="000000"/>
-                      </a:solidFill>
-                      <a:prstDash val="solid"/>
-                      <a:round/>
-                      <a:headEnd type="none" w="med" len="med"/>
-                      <a:tailEnd type="none" w="med" len="med"/>
-                    </a:lnR>
-                    <a:lnT w="13970" cap="flat" cmpd="sng" algn="ctr">
-                      <a:solidFill>
-                        <a:srgbClr val="000000"/>
-                      </a:solidFill>
-                      <a:prstDash val="solid"/>
-                      <a:round/>
-                      <a:headEnd type="none" w="med" len="med"/>
-                      <a:tailEnd type="none" w="med" len="med"/>
-                    </a:lnT>
-                    <a:lnB w="3810" cap="flat" cmpd="sng" algn="ctr">
-                      <a:solidFill>
-                        <a:srgbClr val="BBBBBB"/>
-                      </a:solidFill>
-                      <a:prstDash val="solid"/>
-                      <a:round/>
-                      <a:headEnd type="none" w="med" len="med"/>
-                      <a:tailEnd type="none" w="med" len="med"/>
-                    </a:lnB>
-                    <a:solidFill>
-                      <a:schemeClr val="bg2"/>
-                    </a:solidFill>
-                  </a:tcPr>
-                </a:tc>
-                <a:extLst>
-                  <a:ext uri="{0D108BD9-81ED-4DB2-BD59-A6C34878D82A}">
-                    <a16:rowId xmlns:a16="http://schemas.microsoft.com/office/drawing/2014/main" val="972681552"/>
-                  </a:ext>
-                </a:extLst>
-              </a:tr>
-              <a:tr h="601898">
-                <a:tc>
-                  <a:txBody>
-                    <a:bodyPr/>
-                    <a:lstStyle/>
-                    <a:p>
-                      <a:pPr algn="ctr">
-                        <a:lnSpc>
-                          <a:spcPct val="160000"/>
-                        </a:lnSpc>
-                        <a:spcBef>
-                          <a:spcPts val="0"/>
-                        </a:spcBef>
-                        <a:spcAft>
-                          <a:spcPts val="0"/>
-                        </a:spcAft>
-                      </a:pPr>
-                      <a:r>
-                        <a:rPr lang="ko-KR" altLang="fr-FR" sz="1000">
-                          <a:solidFill>
-                            <a:srgbClr val="000000"/>
-                          </a:solidFill>
-                          <a:effectLst/>
-                          <a:latin typeface="맑은 고딕" panose="020B0503020000020004" pitchFamily="50" charset="-127"/>
-                          <a:ea typeface="맑은 고딕" panose="020B0503020000020004" pitchFamily="50" charset="-127"/>
-                        </a:rPr>
-                        <a:t>개발 언어</a:t>
-                      </a:r>
-                      <a:endParaRPr lang="ko-KR" altLang="fr-FR">
-                        <a:effectLst/>
-                      </a:endParaRPr>
-                    </a:p>
-                  </a:txBody>
-                  <a:tcPr marL="53340" marR="53340" marT="53340" marB="53340" anchor="ctr">
-                    <a:lnL w="13970" cap="flat" cmpd="sng" algn="ctr">
-                      <a:solidFill>
-                        <a:srgbClr val="000000"/>
-                      </a:solidFill>
-                      <a:prstDash val="solid"/>
-                      <a:round/>
-                      <a:headEnd type="none" w="med" len="med"/>
-                      <a:tailEnd type="none" w="med" len="med"/>
-                    </a:lnL>
-                    <a:lnR w="3810" cap="flat" cmpd="sng" algn="ctr">
-                      <a:solidFill>
-                        <a:srgbClr val="BBBBBB"/>
-                      </a:solidFill>
-                      <a:prstDash val="solid"/>
-                      <a:round/>
-                      <a:headEnd type="none" w="med" len="med"/>
-                      <a:tailEnd type="none" w="med" len="med"/>
-                    </a:lnR>
-                    <a:lnT w="3810" cap="flat" cmpd="sng" algn="ctr">
-                      <a:solidFill>
-                        <a:srgbClr val="BBBBBB"/>
-                      </a:solidFill>
-                      <a:prstDash val="solid"/>
-                      <a:round/>
-                      <a:headEnd type="none" w="med" len="med"/>
-                      <a:tailEnd type="none" w="med" len="med"/>
-                    </a:lnT>
-                    <a:lnB w="3810" cap="flat" cmpd="sng" algn="ctr">
-                      <a:solidFill>
-                        <a:srgbClr val="BBBBBB"/>
-                      </a:solidFill>
-                      <a:prstDash val="solid"/>
-                      <a:round/>
-                      <a:headEnd type="none" w="med" len="med"/>
-                      <a:tailEnd type="none" w="med" len="med"/>
-                    </a:lnB>
-                  </a:tcPr>
-                </a:tc>
-                <a:tc>
-                  <a:txBody>
-                    <a:bodyPr/>
-                    <a:lstStyle/>
-                    <a:p>
-                      <a:pPr algn="ctr">
-                        <a:lnSpc>
-                          <a:spcPct val="160000"/>
-                        </a:lnSpc>
-                        <a:spcBef>
-                          <a:spcPts val="0"/>
-                        </a:spcBef>
-                        <a:spcAft>
-                          <a:spcPts val="0"/>
-                        </a:spcAft>
-                      </a:pPr>
-                      <a:r>
-                        <a:rPr lang="ko-KR" altLang="fr-FR" sz="1000">
-                          <a:solidFill>
-                            <a:srgbClr val="000000"/>
-                          </a:solidFill>
-                          <a:effectLst/>
-                          <a:latin typeface="맑은 고딕" panose="020B0503020000020004" pitchFamily="50" charset="-127"/>
-                          <a:ea typeface="맑은 고딕" panose="020B0503020000020004" pitchFamily="50" charset="-127"/>
-                        </a:rPr>
-                        <a:t>네이티브 전용</a:t>
-                      </a:r>
-                      <a:endParaRPr lang="ko-KR" altLang="fr-FR">
-                        <a:effectLst/>
-                      </a:endParaRPr>
-                    </a:p>
-                  </a:txBody>
-                  <a:tcPr marL="53340" marR="53340" marT="53340" marB="53340" anchor="ctr">
-                    <a:lnL w="3810" cap="flat" cmpd="sng" algn="ctr">
-                      <a:solidFill>
-                        <a:srgbClr val="BBBBBB"/>
-                      </a:solidFill>
-                      <a:prstDash val="solid"/>
-                      <a:round/>
-                      <a:headEnd type="none" w="med" len="med"/>
-                      <a:tailEnd type="none" w="med" len="med"/>
-                    </a:lnL>
-                    <a:lnR w="3810" cap="flat" cmpd="sng" algn="ctr">
-                      <a:solidFill>
-                        <a:srgbClr val="BBBBBB"/>
-                      </a:solidFill>
-                      <a:prstDash val="solid"/>
-                      <a:round/>
-                      <a:headEnd type="none" w="med" len="med"/>
-                      <a:tailEnd type="none" w="med" len="med"/>
-                    </a:lnR>
-                    <a:lnT w="3810" cap="flat" cmpd="sng" algn="ctr">
-                      <a:solidFill>
-                        <a:srgbClr val="BBBBBB"/>
-                      </a:solidFill>
-                      <a:prstDash val="solid"/>
-                      <a:round/>
-                      <a:headEnd type="none" w="med" len="med"/>
-                      <a:tailEnd type="none" w="med" len="med"/>
-                    </a:lnT>
-                    <a:lnB w="3810" cap="flat" cmpd="sng" algn="ctr">
-                      <a:solidFill>
-                        <a:srgbClr val="BBBBBB"/>
-                      </a:solidFill>
-                      <a:prstDash val="solid"/>
-                      <a:round/>
-                      <a:headEnd type="none" w="med" len="med"/>
-                      <a:tailEnd type="none" w="med" len="med"/>
-                    </a:lnB>
-                  </a:tcPr>
-                </a:tc>
-                <a:tc>
-                  <a:txBody>
-                    <a:bodyPr/>
-                    <a:lstStyle/>
-                    <a:p>
-                      <a:pPr algn="ctr">
-                        <a:lnSpc>
-                          <a:spcPct val="160000"/>
-                        </a:lnSpc>
-                        <a:spcBef>
-                          <a:spcPts val="0"/>
-                        </a:spcBef>
-                        <a:spcAft>
-                          <a:spcPts val="0"/>
-                        </a:spcAft>
-                      </a:pPr>
-                      <a:r>
-                        <a:rPr lang="ko-KR" altLang="fr-FR" sz="1000">
-                          <a:solidFill>
-                            <a:srgbClr val="000000"/>
-                          </a:solidFill>
-                          <a:effectLst/>
-                          <a:latin typeface="맑은 고딕" panose="020B0503020000020004" pitchFamily="50" charset="-127"/>
-                          <a:ea typeface="맑은 고딕" panose="020B0503020000020004" pitchFamily="50" charset="-127"/>
-                        </a:rPr>
-                        <a:t>웹 전용</a:t>
-                      </a:r>
-                      <a:endParaRPr lang="ko-KR" altLang="fr-FR">
-                        <a:effectLst/>
-                      </a:endParaRPr>
-                    </a:p>
-                  </a:txBody>
-                  <a:tcPr marL="53340" marR="53340" marT="53340" marB="53340" anchor="ctr">
-                    <a:lnL w="3810" cap="flat" cmpd="sng" algn="ctr">
-                      <a:solidFill>
-                        <a:srgbClr val="BBBBBB"/>
-                      </a:solidFill>
-                      <a:prstDash val="solid"/>
-                      <a:round/>
-                      <a:headEnd type="none" w="med" len="med"/>
-                      <a:tailEnd type="none" w="med" len="med"/>
-                    </a:lnL>
-                    <a:lnR w="13970" cap="flat" cmpd="sng" algn="ctr">
-                      <a:solidFill>
-                        <a:srgbClr val="000000"/>
-                      </a:solidFill>
-                      <a:prstDash val="solid"/>
-                      <a:round/>
-                      <a:headEnd type="none" w="med" len="med"/>
-                      <a:tailEnd type="none" w="med" len="med"/>
-                    </a:lnR>
-                    <a:lnT w="3810" cap="flat" cmpd="sng" algn="ctr">
-                      <a:solidFill>
-                        <a:srgbClr val="BBBBBB"/>
-                      </a:solidFill>
-                      <a:prstDash val="solid"/>
-                      <a:round/>
-                      <a:headEnd type="none" w="med" len="med"/>
-                      <a:tailEnd type="none" w="med" len="med"/>
-                    </a:lnT>
-                    <a:lnB w="3810" cap="flat" cmpd="sng" algn="ctr">
-                      <a:solidFill>
-                        <a:srgbClr val="BBBBBB"/>
-                      </a:solidFill>
-                      <a:prstDash val="solid"/>
-                      <a:round/>
-                      <a:headEnd type="none" w="med" len="med"/>
-                      <a:tailEnd type="none" w="med" len="med"/>
-                    </a:lnB>
-                  </a:tcPr>
-                </a:tc>
-                <a:extLst>
-                  <a:ext uri="{0D108BD9-81ED-4DB2-BD59-A6C34878D82A}">
-                    <a16:rowId xmlns:a16="http://schemas.microsoft.com/office/drawing/2014/main" val="3329981327"/>
-                  </a:ext>
-                </a:extLst>
-              </a:tr>
-              <a:tr h="848467">
-                <a:tc>
-                  <a:txBody>
-                    <a:bodyPr/>
-                    <a:lstStyle/>
-                    <a:p>
-                      <a:pPr algn="ctr">
-                        <a:lnSpc>
-                          <a:spcPct val="160000"/>
-                        </a:lnSpc>
-                        <a:spcBef>
-                          <a:spcPts val="0"/>
-                        </a:spcBef>
-                        <a:spcAft>
-                          <a:spcPts val="0"/>
-                        </a:spcAft>
-                      </a:pPr>
-                      <a:r>
-                        <a:rPr lang="ko-KR" altLang="fr-FR" sz="1000">
-                          <a:solidFill>
-                            <a:srgbClr val="000000"/>
-                          </a:solidFill>
-                          <a:effectLst/>
-                          <a:latin typeface="맑은 고딕" panose="020B0503020000020004" pitchFamily="50" charset="-127"/>
-                          <a:ea typeface="맑은 고딕" panose="020B0503020000020004" pitchFamily="50" charset="-127"/>
-                        </a:rPr>
-                        <a:t>디바이스 고유기능 엑세스</a:t>
-                      </a:r>
-                      <a:endParaRPr lang="ko-KR" altLang="fr-FR">
-                        <a:effectLst/>
-                      </a:endParaRPr>
-                    </a:p>
-                  </a:txBody>
-                  <a:tcPr marL="53340" marR="53340" marT="53340" marB="53340" anchor="ctr">
-                    <a:lnL w="13970" cap="flat" cmpd="sng" algn="ctr">
-                      <a:solidFill>
-                        <a:srgbClr val="000000"/>
-                      </a:solidFill>
-                      <a:prstDash val="solid"/>
-                      <a:round/>
-                      <a:headEnd type="none" w="med" len="med"/>
-                      <a:tailEnd type="none" w="med" len="med"/>
-                    </a:lnL>
-                    <a:lnR w="3810" cap="flat" cmpd="sng" algn="ctr">
-                      <a:solidFill>
-                        <a:srgbClr val="BBBBBB"/>
-                      </a:solidFill>
-                      <a:prstDash val="solid"/>
-                      <a:round/>
-                      <a:headEnd type="none" w="med" len="med"/>
-                      <a:tailEnd type="none" w="med" len="med"/>
-                    </a:lnR>
-                    <a:lnT w="3810" cap="flat" cmpd="sng" algn="ctr">
-                      <a:solidFill>
-                        <a:srgbClr val="BBBBBB"/>
-                      </a:solidFill>
-                      <a:prstDash val="solid"/>
-                      <a:round/>
-                      <a:headEnd type="none" w="med" len="med"/>
-                      <a:tailEnd type="none" w="med" len="med"/>
-                    </a:lnT>
-                    <a:lnB w="3810" cap="flat" cmpd="sng" algn="ctr">
-                      <a:solidFill>
-                        <a:srgbClr val="BBBBBB"/>
-                      </a:solidFill>
-                      <a:prstDash val="solid"/>
-                      <a:round/>
-                      <a:headEnd type="none" w="med" len="med"/>
-                      <a:tailEnd type="none" w="med" len="med"/>
-                    </a:lnB>
-                  </a:tcPr>
-                </a:tc>
-                <a:tc>
-                  <a:txBody>
-                    <a:bodyPr/>
-                    <a:lstStyle/>
-                    <a:p>
-                      <a:pPr algn="ctr">
-                        <a:lnSpc>
-                          <a:spcPct val="160000"/>
-                        </a:lnSpc>
-                        <a:spcBef>
-                          <a:spcPts val="0"/>
-                        </a:spcBef>
-                        <a:spcAft>
-                          <a:spcPts val="0"/>
-                        </a:spcAft>
-                      </a:pPr>
-                      <a:r>
-                        <a:rPr lang="ko-KR" altLang="fr-FR" sz="1000">
-                          <a:solidFill>
-                            <a:srgbClr val="000000"/>
-                          </a:solidFill>
-                          <a:effectLst/>
-                          <a:latin typeface="맑은 고딕" panose="020B0503020000020004" pitchFamily="50" charset="-127"/>
-                          <a:ea typeface="맑은 고딕" panose="020B0503020000020004" pitchFamily="50" charset="-127"/>
-                        </a:rPr>
-                        <a:t>높음</a:t>
-                      </a:r>
-                      <a:endParaRPr lang="ko-KR" altLang="fr-FR">
-                        <a:effectLst/>
-                      </a:endParaRPr>
-                    </a:p>
-                  </a:txBody>
-                  <a:tcPr marL="53340" marR="53340" marT="53340" marB="53340" anchor="ctr">
-                    <a:lnL w="3810" cap="flat" cmpd="sng" algn="ctr">
-                      <a:solidFill>
-                        <a:srgbClr val="BBBBBB"/>
-                      </a:solidFill>
-                      <a:prstDash val="solid"/>
-                      <a:round/>
-                      <a:headEnd type="none" w="med" len="med"/>
-                      <a:tailEnd type="none" w="med" len="med"/>
-                    </a:lnL>
-                    <a:lnR w="3810" cap="flat" cmpd="sng" algn="ctr">
-                      <a:solidFill>
-                        <a:srgbClr val="BBBBBB"/>
-                      </a:solidFill>
-                      <a:prstDash val="solid"/>
-                      <a:round/>
-                      <a:headEnd type="none" w="med" len="med"/>
-                      <a:tailEnd type="none" w="med" len="med"/>
-                    </a:lnR>
-                    <a:lnT w="3810" cap="flat" cmpd="sng" algn="ctr">
-                      <a:solidFill>
-                        <a:srgbClr val="BBBBBB"/>
-                      </a:solidFill>
-                      <a:prstDash val="solid"/>
-                      <a:round/>
-                      <a:headEnd type="none" w="med" len="med"/>
-                      <a:tailEnd type="none" w="med" len="med"/>
-                    </a:lnT>
-                    <a:lnB w="3810" cap="flat" cmpd="sng" algn="ctr">
-                      <a:solidFill>
-                        <a:srgbClr val="BBBBBB"/>
-                      </a:solidFill>
-                      <a:prstDash val="solid"/>
-                      <a:round/>
-                      <a:headEnd type="none" w="med" len="med"/>
-                      <a:tailEnd type="none" w="med" len="med"/>
-                    </a:lnB>
-                  </a:tcPr>
-                </a:tc>
-                <a:tc>
-                  <a:txBody>
-                    <a:bodyPr/>
-                    <a:lstStyle/>
-                    <a:p>
-                      <a:pPr algn="ctr">
-                        <a:lnSpc>
-                          <a:spcPct val="160000"/>
-                        </a:lnSpc>
-                        <a:spcBef>
-                          <a:spcPts val="0"/>
-                        </a:spcBef>
-                        <a:spcAft>
-                          <a:spcPts val="0"/>
-                        </a:spcAft>
-                      </a:pPr>
-                      <a:r>
-                        <a:rPr lang="ko-KR" altLang="fr-FR" sz="1000">
-                          <a:solidFill>
-                            <a:srgbClr val="000000"/>
-                          </a:solidFill>
-                          <a:effectLst/>
-                          <a:latin typeface="맑은 고딕" panose="020B0503020000020004" pitchFamily="50" charset="-127"/>
-                          <a:ea typeface="맑은 고딕" panose="020B0503020000020004" pitchFamily="50" charset="-127"/>
-                        </a:rPr>
-                        <a:t>낮음</a:t>
-                      </a:r>
-                      <a:endParaRPr lang="ko-KR" altLang="fr-FR">
-                        <a:effectLst/>
-                      </a:endParaRPr>
-                    </a:p>
-                  </a:txBody>
-                  <a:tcPr marL="53340" marR="53340" marT="53340" marB="53340" anchor="ctr">
-                    <a:lnL w="3810" cap="flat" cmpd="sng" algn="ctr">
-                      <a:solidFill>
-                        <a:srgbClr val="BBBBBB"/>
-                      </a:solidFill>
-                      <a:prstDash val="solid"/>
-                      <a:round/>
-                      <a:headEnd type="none" w="med" len="med"/>
-                      <a:tailEnd type="none" w="med" len="med"/>
-                    </a:lnL>
-                    <a:lnR w="13970" cap="flat" cmpd="sng" algn="ctr">
-                      <a:solidFill>
-                        <a:srgbClr val="000000"/>
-                      </a:solidFill>
-                      <a:prstDash val="solid"/>
-                      <a:round/>
-                      <a:headEnd type="none" w="med" len="med"/>
-                      <a:tailEnd type="none" w="med" len="med"/>
-                    </a:lnR>
-                    <a:lnT w="3810" cap="flat" cmpd="sng" algn="ctr">
-                      <a:solidFill>
-                        <a:srgbClr val="BBBBBB"/>
-                      </a:solidFill>
-                      <a:prstDash val="solid"/>
-                      <a:round/>
-                      <a:headEnd type="none" w="med" len="med"/>
-                      <a:tailEnd type="none" w="med" len="med"/>
-                    </a:lnT>
-                    <a:lnB w="3810" cap="flat" cmpd="sng" algn="ctr">
-                      <a:solidFill>
-                        <a:srgbClr val="BBBBBB"/>
-                      </a:solidFill>
-                      <a:prstDash val="solid"/>
-                      <a:round/>
-                      <a:headEnd type="none" w="med" len="med"/>
-                      <a:tailEnd type="none" w="med" len="med"/>
-                    </a:lnB>
-                  </a:tcPr>
-                </a:tc>
-                <a:extLst>
-                  <a:ext uri="{0D108BD9-81ED-4DB2-BD59-A6C34878D82A}">
-                    <a16:rowId xmlns:a16="http://schemas.microsoft.com/office/drawing/2014/main" val="2531332492"/>
-                  </a:ext>
-                </a:extLst>
-              </a:tr>
-              <a:tr h="510471">
-                <a:tc>
-                  <a:txBody>
-                    <a:bodyPr/>
-                    <a:lstStyle/>
-                    <a:p>
-                      <a:pPr algn="ctr">
-                        <a:lnSpc>
-                          <a:spcPct val="160000"/>
-                        </a:lnSpc>
-                        <a:spcBef>
-                          <a:spcPts val="0"/>
-                        </a:spcBef>
-                        <a:spcAft>
-                          <a:spcPts val="0"/>
-                        </a:spcAft>
-                      </a:pPr>
-                      <a:r>
-                        <a:rPr lang="ko-KR" altLang="fr-FR" sz="1000">
-                          <a:solidFill>
-                            <a:srgbClr val="000000"/>
-                          </a:solidFill>
-                          <a:effectLst/>
-                          <a:latin typeface="맑은 고딕" panose="020B0503020000020004" pitchFamily="50" charset="-127"/>
-                          <a:ea typeface="맑은 고딕" panose="020B0503020000020004" pitchFamily="50" charset="-127"/>
-                        </a:rPr>
-                        <a:t>유려한 </a:t>
-                      </a:r>
-                      <a:r>
-                        <a:rPr lang="fr-FR" sz="1000">
-                          <a:solidFill>
-                            <a:srgbClr val="000000"/>
-                          </a:solidFill>
-                          <a:effectLst/>
-                          <a:latin typeface="맑은 고딕" panose="020B0503020000020004" pitchFamily="50" charset="-127"/>
-                          <a:ea typeface="맑은 고딕" panose="020B0503020000020004" pitchFamily="50" charset="-127"/>
-                        </a:rPr>
-                        <a:t>UI</a:t>
-                      </a:r>
-                      <a:endParaRPr lang="fr-FR">
-                        <a:effectLst/>
-                      </a:endParaRPr>
-                    </a:p>
-                  </a:txBody>
-                  <a:tcPr marL="53340" marR="53340" marT="53340" marB="53340" anchor="ctr">
-                    <a:lnL w="13970" cap="flat" cmpd="sng" algn="ctr">
-                      <a:solidFill>
-                        <a:srgbClr val="000000"/>
-                      </a:solidFill>
-                      <a:prstDash val="solid"/>
-                      <a:round/>
-                      <a:headEnd type="none" w="med" len="med"/>
-                      <a:tailEnd type="none" w="med" len="med"/>
-                    </a:lnL>
-                    <a:lnR w="3810" cap="flat" cmpd="sng" algn="ctr">
-                      <a:solidFill>
-                        <a:srgbClr val="BBBBBB"/>
-                      </a:solidFill>
-                      <a:prstDash val="solid"/>
-                      <a:round/>
-                      <a:headEnd type="none" w="med" len="med"/>
-                      <a:tailEnd type="none" w="med" len="med"/>
-                    </a:lnR>
-                    <a:lnT w="3810" cap="flat" cmpd="sng" algn="ctr">
-                      <a:solidFill>
-                        <a:srgbClr val="BBBBBB"/>
-                      </a:solidFill>
-                      <a:prstDash val="solid"/>
-                      <a:round/>
-                      <a:headEnd type="none" w="med" len="med"/>
-                      <a:tailEnd type="none" w="med" len="med"/>
-                    </a:lnT>
-                    <a:lnB w="3810" cap="flat" cmpd="sng" algn="ctr">
-                      <a:solidFill>
-                        <a:srgbClr val="BBBBBB"/>
-                      </a:solidFill>
-                      <a:prstDash val="solid"/>
-                      <a:round/>
-                      <a:headEnd type="none" w="med" len="med"/>
-                      <a:tailEnd type="none" w="med" len="med"/>
-                    </a:lnB>
-                  </a:tcPr>
-                </a:tc>
-                <a:tc>
-                  <a:txBody>
-                    <a:bodyPr/>
-                    <a:lstStyle/>
-                    <a:p>
-                      <a:pPr algn="ctr">
-                        <a:lnSpc>
-                          <a:spcPct val="160000"/>
-                        </a:lnSpc>
-                        <a:spcBef>
-                          <a:spcPts val="0"/>
-                        </a:spcBef>
-                        <a:spcAft>
-                          <a:spcPts val="0"/>
-                        </a:spcAft>
-                      </a:pPr>
-                      <a:r>
-                        <a:rPr lang="ko-KR" altLang="fr-FR" sz="1000">
-                          <a:solidFill>
-                            <a:srgbClr val="000000"/>
-                          </a:solidFill>
-                          <a:effectLst/>
-                          <a:latin typeface="맑은 고딕" panose="020B0503020000020004" pitchFamily="50" charset="-127"/>
-                          <a:ea typeface="맑은 고딕" panose="020B0503020000020004" pitchFamily="50" charset="-127"/>
-                        </a:rPr>
-                        <a:t>높음</a:t>
-                      </a:r>
-                      <a:endParaRPr lang="ko-KR" altLang="fr-FR">
-                        <a:effectLst/>
-                      </a:endParaRPr>
-                    </a:p>
-                  </a:txBody>
-                  <a:tcPr marL="53340" marR="53340" marT="53340" marB="53340" anchor="ctr">
-                    <a:lnL w="3810" cap="flat" cmpd="sng" algn="ctr">
-                      <a:solidFill>
-                        <a:srgbClr val="BBBBBB"/>
-                      </a:solidFill>
-                      <a:prstDash val="solid"/>
-                      <a:round/>
-                      <a:headEnd type="none" w="med" len="med"/>
-                      <a:tailEnd type="none" w="med" len="med"/>
-                    </a:lnL>
-                    <a:lnR w="3810" cap="flat" cmpd="sng" algn="ctr">
-                      <a:solidFill>
-                        <a:srgbClr val="BBBBBB"/>
-                      </a:solidFill>
-                      <a:prstDash val="solid"/>
-                      <a:round/>
-                      <a:headEnd type="none" w="med" len="med"/>
-                      <a:tailEnd type="none" w="med" len="med"/>
-                    </a:lnR>
-                    <a:lnT w="3810" cap="flat" cmpd="sng" algn="ctr">
-                      <a:solidFill>
-                        <a:srgbClr val="BBBBBB"/>
-                      </a:solidFill>
-                      <a:prstDash val="solid"/>
-                      <a:round/>
-                      <a:headEnd type="none" w="med" len="med"/>
-                      <a:tailEnd type="none" w="med" len="med"/>
-                    </a:lnT>
-                    <a:lnB w="3810" cap="flat" cmpd="sng" algn="ctr">
-                      <a:solidFill>
-                        <a:srgbClr val="BBBBBB"/>
-                      </a:solidFill>
-                      <a:prstDash val="solid"/>
-                      <a:round/>
-                      <a:headEnd type="none" w="med" len="med"/>
-                      <a:tailEnd type="none" w="med" len="med"/>
-                    </a:lnB>
-                  </a:tcPr>
-                </a:tc>
-                <a:tc>
-                  <a:txBody>
-                    <a:bodyPr/>
-                    <a:lstStyle/>
-                    <a:p>
-                      <a:pPr algn="ctr">
-                        <a:lnSpc>
-                          <a:spcPct val="160000"/>
-                        </a:lnSpc>
-                        <a:spcBef>
-                          <a:spcPts val="0"/>
-                        </a:spcBef>
-                        <a:spcAft>
-                          <a:spcPts val="0"/>
-                        </a:spcAft>
-                      </a:pPr>
-                      <a:r>
-                        <a:rPr lang="ko-KR" altLang="fr-FR" sz="1000">
-                          <a:solidFill>
-                            <a:srgbClr val="000000"/>
-                          </a:solidFill>
-                          <a:effectLst/>
-                          <a:latin typeface="맑은 고딕" panose="020B0503020000020004" pitchFamily="50" charset="-127"/>
-                          <a:ea typeface="맑은 고딕" panose="020B0503020000020004" pitchFamily="50" charset="-127"/>
-                        </a:rPr>
-                        <a:t>중간</a:t>
-                      </a:r>
-                      <a:endParaRPr lang="ko-KR" altLang="fr-FR">
-                        <a:effectLst/>
-                      </a:endParaRPr>
-                    </a:p>
-                  </a:txBody>
-                  <a:tcPr marL="53340" marR="53340" marT="53340" marB="53340" anchor="ctr">
-                    <a:lnL w="3810" cap="flat" cmpd="sng" algn="ctr">
-                      <a:solidFill>
-                        <a:srgbClr val="BBBBBB"/>
-                      </a:solidFill>
-                      <a:prstDash val="solid"/>
-                      <a:round/>
-                      <a:headEnd type="none" w="med" len="med"/>
-                      <a:tailEnd type="none" w="med" len="med"/>
-                    </a:lnL>
-                    <a:lnR w="13970" cap="flat" cmpd="sng" algn="ctr">
-                      <a:solidFill>
-                        <a:srgbClr val="000000"/>
-                      </a:solidFill>
-                      <a:prstDash val="solid"/>
-                      <a:round/>
-                      <a:headEnd type="none" w="med" len="med"/>
-                      <a:tailEnd type="none" w="med" len="med"/>
-                    </a:lnR>
-                    <a:lnT w="3810" cap="flat" cmpd="sng" algn="ctr">
-                      <a:solidFill>
-                        <a:srgbClr val="BBBBBB"/>
-                      </a:solidFill>
-                      <a:prstDash val="solid"/>
-                      <a:round/>
-                      <a:headEnd type="none" w="med" len="med"/>
-                      <a:tailEnd type="none" w="med" len="med"/>
-                    </a:lnT>
-                    <a:lnB w="3810" cap="flat" cmpd="sng" algn="ctr">
-                      <a:solidFill>
-                        <a:srgbClr val="BBBBBB"/>
-                      </a:solidFill>
-                      <a:prstDash val="solid"/>
-                      <a:round/>
-                      <a:headEnd type="none" w="med" len="med"/>
-                      <a:tailEnd type="none" w="med" len="med"/>
-                    </a:lnB>
-                  </a:tcPr>
-                </a:tc>
-                <a:extLst>
-                  <a:ext uri="{0D108BD9-81ED-4DB2-BD59-A6C34878D82A}">
-                    <a16:rowId xmlns:a16="http://schemas.microsoft.com/office/drawing/2014/main" val="1133981822"/>
-                  </a:ext>
-                </a:extLst>
-              </a:tr>
-              <a:tr h="1214177">
-                <a:tc>
-                  <a:txBody>
-                    <a:bodyPr/>
-                    <a:lstStyle/>
-                    <a:p>
-                      <a:pPr algn="ctr">
-                        <a:lnSpc>
-                          <a:spcPct val="160000"/>
-                        </a:lnSpc>
-                        <a:spcBef>
-                          <a:spcPts val="0"/>
-                        </a:spcBef>
-                        <a:spcAft>
-                          <a:spcPts val="0"/>
-                        </a:spcAft>
-                      </a:pPr>
-                      <a:r>
-                        <a:rPr lang="ko-KR" altLang="fr-FR" sz="1000">
-                          <a:solidFill>
-                            <a:srgbClr val="000000"/>
-                          </a:solidFill>
-                          <a:effectLst/>
-                          <a:latin typeface="맑은 고딕" panose="020B0503020000020004" pitchFamily="50" charset="-127"/>
-                          <a:ea typeface="맑은 고딕" panose="020B0503020000020004" pitchFamily="50" charset="-127"/>
-                        </a:rPr>
-                        <a:t>업그레이드 유연성</a:t>
-                      </a:r>
-                      <a:endParaRPr lang="ko-KR" altLang="fr-FR">
-                        <a:effectLst/>
-                      </a:endParaRPr>
-                    </a:p>
-                  </a:txBody>
-                  <a:tcPr marL="53340" marR="53340" marT="53340" marB="53340" anchor="ctr">
-                    <a:lnL w="13970" cap="flat" cmpd="sng" algn="ctr">
-                      <a:solidFill>
-                        <a:srgbClr val="000000"/>
-                      </a:solidFill>
-                      <a:prstDash val="solid"/>
-                      <a:round/>
-                      <a:headEnd type="none" w="med" len="med"/>
-                      <a:tailEnd type="none" w="med" len="med"/>
-                    </a:lnL>
-                    <a:lnR w="3810" cap="flat" cmpd="sng" algn="ctr">
-                      <a:solidFill>
-                        <a:srgbClr val="BBBBBB"/>
-                      </a:solidFill>
-                      <a:prstDash val="solid"/>
-                      <a:round/>
-                      <a:headEnd type="none" w="med" len="med"/>
-                      <a:tailEnd type="none" w="med" len="med"/>
-                    </a:lnR>
-                    <a:lnT w="3810" cap="flat" cmpd="sng" algn="ctr">
-                      <a:solidFill>
-                        <a:srgbClr val="BBBBBB"/>
-                      </a:solidFill>
-                      <a:prstDash val="solid"/>
-                      <a:round/>
-                      <a:headEnd type="none" w="med" len="med"/>
-                      <a:tailEnd type="none" w="med" len="med"/>
-                    </a:lnT>
-                    <a:lnB w="3810" cap="flat" cmpd="sng" algn="ctr">
-                      <a:solidFill>
-                        <a:srgbClr val="BBBBBB"/>
-                      </a:solidFill>
-                      <a:prstDash val="solid"/>
-                      <a:round/>
-                      <a:headEnd type="none" w="med" len="med"/>
-                      <a:tailEnd type="none" w="med" len="med"/>
-                    </a:lnB>
-                  </a:tcPr>
-                </a:tc>
-                <a:tc>
-                  <a:txBody>
-                    <a:bodyPr/>
-                    <a:lstStyle/>
-                    <a:p>
-                      <a:pPr algn="ctr">
-                        <a:lnSpc>
-                          <a:spcPct val="160000"/>
-                        </a:lnSpc>
-                        <a:spcBef>
-                          <a:spcPts val="0"/>
-                        </a:spcBef>
-                        <a:spcAft>
-                          <a:spcPts val="0"/>
-                        </a:spcAft>
-                      </a:pPr>
-                      <a:r>
-                        <a:rPr lang="ko-KR" altLang="fr-FR" sz="1000">
-                          <a:solidFill>
-                            <a:srgbClr val="000000"/>
-                          </a:solidFill>
-                          <a:effectLst/>
-                          <a:latin typeface="맑은 고딕" panose="020B0503020000020004" pitchFamily="50" charset="-127"/>
-                          <a:ea typeface="맑은 고딕" panose="020B0503020000020004" pitchFamily="50" charset="-127"/>
-                        </a:rPr>
-                        <a:t>낮음</a:t>
-                      </a:r>
-                      <a:endParaRPr lang="ko-KR" altLang="fr-FR">
-                        <a:effectLst/>
-                      </a:endParaRPr>
-                    </a:p>
-                    <a:p>
-                      <a:pPr algn="ctr">
-                        <a:lnSpc>
-                          <a:spcPct val="160000"/>
-                        </a:lnSpc>
-                        <a:spcBef>
-                          <a:spcPts val="0"/>
-                        </a:spcBef>
-                        <a:spcAft>
-                          <a:spcPts val="0"/>
-                        </a:spcAft>
-                      </a:pPr>
-                      <a:r>
-                        <a:rPr lang="fr-FR" altLang="ko-KR" sz="1000">
-                          <a:solidFill>
-                            <a:srgbClr val="000000"/>
-                          </a:solidFill>
-                          <a:effectLst/>
-                          <a:latin typeface="맑은 고딕" panose="020B0503020000020004" pitchFamily="50" charset="-127"/>
-                          <a:ea typeface="맑은 고딕" panose="020B0503020000020004" pitchFamily="50" charset="-127"/>
-                        </a:rPr>
-                        <a:t>(</a:t>
-                      </a:r>
-                      <a:r>
-                        <a:rPr lang="ko-KR" altLang="fr-FR" sz="1000">
-                          <a:solidFill>
-                            <a:srgbClr val="000000"/>
-                          </a:solidFill>
-                          <a:effectLst/>
-                          <a:latin typeface="맑은 고딕" panose="020B0503020000020004" pitchFamily="50" charset="-127"/>
-                          <a:ea typeface="맑은 고딕" panose="020B0503020000020004" pitchFamily="50" charset="-127"/>
-                        </a:rPr>
-                        <a:t>항상 앱스토어</a:t>
-                      </a:r>
-                      <a:r>
-                        <a:rPr lang="fr-FR" altLang="ko-KR" sz="1000">
-                          <a:solidFill>
-                            <a:srgbClr val="000000"/>
-                          </a:solidFill>
-                          <a:effectLst/>
-                          <a:latin typeface="맑은 고딕" panose="020B0503020000020004" pitchFamily="50" charset="-127"/>
-                          <a:ea typeface="맑은 고딕" panose="020B0503020000020004" pitchFamily="50" charset="-127"/>
-                        </a:rPr>
-                        <a:t>)</a:t>
-                      </a:r>
-                      <a:endParaRPr lang="ko-KR" altLang="fr-FR">
-                        <a:effectLst/>
-                      </a:endParaRPr>
-                    </a:p>
-                  </a:txBody>
-                  <a:tcPr marL="53340" marR="53340" marT="53340" marB="53340" anchor="ctr">
-                    <a:lnL w="3810" cap="flat" cmpd="sng" algn="ctr">
-                      <a:solidFill>
-                        <a:srgbClr val="BBBBBB"/>
-                      </a:solidFill>
-                      <a:prstDash val="solid"/>
-                      <a:round/>
-                      <a:headEnd type="none" w="med" len="med"/>
-                      <a:tailEnd type="none" w="med" len="med"/>
-                    </a:lnL>
-                    <a:lnR w="3810" cap="flat" cmpd="sng" algn="ctr">
-                      <a:solidFill>
-                        <a:srgbClr val="BBBBBB"/>
-                      </a:solidFill>
-                      <a:prstDash val="solid"/>
-                      <a:round/>
-                      <a:headEnd type="none" w="med" len="med"/>
-                      <a:tailEnd type="none" w="med" len="med"/>
-                    </a:lnR>
-                    <a:lnT w="3810" cap="flat" cmpd="sng" algn="ctr">
-                      <a:solidFill>
-                        <a:srgbClr val="BBBBBB"/>
-                      </a:solidFill>
-                      <a:prstDash val="solid"/>
-                      <a:round/>
-                      <a:headEnd type="none" w="med" len="med"/>
-                      <a:tailEnd type="none" w="med" len="med"/>
-                    </a:lnT>
-                    <a:lnB w="3810" cap="flat" cmpd="sng" algn="ctr">
-                      <a:solidFill>
-                        <a:srgbClr val="BBBBBB"/>
-                      </a:solidFill>
-                      <a:prstDash val="solid"/>
-                      <a:round/>
-                      <a:headEnd type="none" w="med" len="med"/>
-                      <a:tailEnd type="none" w="med" len="med"/>
-                    </a:lnB>
-                  </a:tcPr>
-                </a:tc>
-                <a:tc>
-                  <a:txBody>
-                    <a:bodyPr/>
-                    <a:lstStyle/>
-                    <a:p>
-                      <a:pPr algn="ctr">
-                        <a:lnSpc>
-                          <a:spcPct val="160000"/>
-                        </a:lnSpc>
-                        <a:spcBef>
-                          <a:spcPts val="0"/>
-                        </a:spcBef>
-                        <a:spcAft>
-                          <a:spcPts val="0"/>
-                        </a:spcAft>
-                      </a:pPr>
-                      <a:r>
-                        <a:rPr lang="ko-KR" altLang="fr-FR" sz="1000">
-                          <a:solidFill>
-                            <a:srgbClr val="000000"/>
-                          </a:solidFill>
-                          <a:effectLst/>
-                          <a:latin typeface="맑은 고딕" panose="020B0503020000020004" pitchFamily="50" charset="-127"/>
-                          <a:ea typeface="맑은 고딕" panose="020B0503020000020004" pitchFamily="50" charset="-127"/>
-                        </a:rPr>
-                        <a:t>높음</a:t>
-                      </a:r>
-                      <a:endParaRPr lang="ko-KR" altLang="fr-FR">
-                        <a:effectLst/>
-                      </a:endParaRPr>
-                    </a:p>
-                    <a:p>
-                      <a:pPr algn="ctr">
-                        <a:lnSpc>
-                          <a:spcPct val="160000"/>
-                        </a:lnSpc>
-                        <a:spcBef>
-                          <a:spcPts val="0"/>
-                        </a:spcBef>
-                        <a:spcAft>
-                          <a:spcPts val="0"/>
-                        </a:spcAft>
-                      </a:pPr>
-                      <a:r>
-                        <a:rPr lang="fr-FR" altLang="ko-KR" sz="1000">
-                          <a:solidFill>
-                            <a:srgbClr val="000000"/>
-                          </a:solidFill>
-                          <a:effectLst/>
-                          <a:latin typeface="맑은 고딕" panose="020B0503020000020004" pitchFamily="50" charset="-127"/>
-                          <a:ea typeface="맑은 고딕" panose="020B0503020000020004" pitchFamily="50" charset="-127"/>
-                        </a:rPr>
-                        <a:t>(</a:t>
-                      </a:r>
-                      <a:r>
-                        <a:rPr lang="ko-KR" altLang="fr-FR" sz="1000">
-                          <a:solidFill>
-                            <a:srgbClr val="000000"/>
-                          </a:solidFill>
-                          <a:effectLst/>
-                          <a:latin typeface="맑은 고딕" panose="020B0503020000020004" pitchFamily="50" charset="-127"/>
-                          <a:ea typeface="맑은 고딕" panose="020B0503020000020004" pitchFamily="50" charset="-127"/>
-                        </a:rPr>
-                        <a:t>웹에 바로 적용</a:t>
-                      </a:r>
-                      <a:r>
-                        <a:rPr lang="fr-FR" altLang="ko-KR" sz="1000">
-                          <a:solidFill>
-                            <a:srgbClr val="000000"/>
-                          </a:solidFill>
-                          <a:effectLst/>
-                          <a:latin typeface="맑은 고딕" panose="020B0503020000020004" pitchFamily="50" charset="-127"/>
-                          <a:ea typeface="맑은 고딕" panose="020B0503020000020004" pitchFamily="50" charset="-127"/>
-                        </a:rPr>
-                        <a:t>)</a:t>
-                      </a:r>
-                      <a:endParaRPr lang="ko-KR" altLang="fr-FR">
-                        <a:effectLst/>
-                      </a:endParaRPr>
-                    </a:p>
-                  </a:txBody>
-                  <a:tcPr marL="53340" marR="53340" marT="53340" marB="53340" anchor="ctr">
-                    <a:lnL w="3810" cap="flat" cmpd="sng" algn="ctr">
-                      <a:solidFill>
-                        <a:srgbClr val="BBBBBB"/>
-                      </a:solidFill>
-                      <a:prstDash val="solid"/>
-                      <a:round/>
-                      <a:headEnd type="none" w="med" len="med"/>
-                      <a:tailEnd type="none" w="med" len="med"/>
-                    </a:lnL>
-                    <a:lnR w="13970" cap="flat" cmpd="sng" algn="ctr">
-                      <a:solidFill>
-                        <a:srgbClr val="000000"/>
-                      </a:solidFill>
-                      <a:prstDash val="solid"/>
-                      <a:round/>
-                      <a:headEnd type="none" w="med" len="med"/>
-                      <a:tailEnd type="none" w="med" len="med"/>
-                    </a:lnR>
-                    <a:lnT w="3810" cap="flat" cmpd="sng" algn="ctr">
-                      <a:solidFill>
-                        <a:srgbClr val="BBBBBB"/>
-                      </a:solidFill>
-                      <a:prstDash val="solid"/>
-                      <a:round/>
-                      <a:headEnd type="none" w="med" len="med"/>
-                      <a:tailEnd type="none" w="med" len="med"/>
-                    </a:lnT>
-                    <a:lnB w="3810" cap="flat" cmpd="sng" algn="ctr">
-                      <a:solidFill>
-                        <a:srgbClr val="BBBBBB"/>
-                      </a:solidFill>
-                      <a:prstDash val="solid"/>
-                      <a:round/>
-                      <a:headEnd type="none" w="med" len="med"/>
-                      <a:tailEnd type="none" w="med" len="med"/>
-                    </a:lnB>
-                  </a:tcPr>
-                </a:tc>
-                <a:extLst>
-                  <a:ext uri="{0D108BD9-81ED-4DB2-BD59-A6C34878D82A}">
-                    <a16:rowId xmlns:a16="http://schemas.microsoft.com/office/drawing/2014/main" val="3552208965"/>
-                  </a:ext>
-                </a:extLst>
-              </a:tr>
-              <a:tr h="601898">
-                <a:tc>
-                  <a:txBody>
-                    <a:bodyPr/>
-                    <a:lstStyle/>
-                    <a:p>
-                      <a:pPr algn="ctr">
-                        <a:lnSpc>
-                          <a:spcPct val="160000"/>
-                        </a:lnSpc>
-                        <a:spcBef>
-                          <a:spcPts val="0"/>
-                        </a:spcBef>
-                        <a:spcAft>
-                          <a:spcPts val="0"/>
-                        </a:spcAft>
-                      </a:pPr>
-                      <a:r>
-                        <a:rPr lang="ko-KR" altLang="fr-FR" sz="1000">
-                          <a:solidFill>
-                            <a:srgbClr val="000000"/>
-                          </a:solidFill>
-                          <a:effectLst/>
-                          <a:latin typeface="맑은 고딕" panose="020B0503020000020004" pitchFamily="50" charset="-127"/>
-                          <a:ea typeface="맑은 고딕" panose="020B0503020000020004" pitchFamily="50" charset="-127"/>
-                        </a:rPr>
-                        <a:t>구현 난이도</a:t>
-                      </a:r>
-                      <a:endParaRPr lang="ko-KR" altLang="fr-FR">
-                        <a:effectLst/>
-                      </a:endParaRPr>
-                    </a:p>
-                  </a:txBody>
-                  <a:tcPr marL="53340" marR="53340" marT="53340" marB="53340" anchor="ctr">
-                    <a:lnL w="13970" cap="flat" cmpd="sng" algn="ctr">
-                      <a:solidFill>
-                        <a:srgbClr val="000000"/>
-                      </a:solidFill>
-                      <a:prstDash val="solid"/>
-                      <a:round/>
-                      <a:headEnd type="none" w="med" len="med"/>
-                      <a:tailEnd type="none" w="med" len="med"/>
-                    </a:lnL>
-                    <a:lnR w="3810" cap="flat" cmpd="sng" algn="ctr">
-                      <a:solidFill>
-                        <a:srgbClr val="BBBBBB"/>
-                      </a:solidFill>
-                      <a:prstDash val="solid"/>
-                      <a:round/>
-                      <a:headEnd type="none" w="med" len="med"/>
-                      <a:tailEnd type="none" w="med" len="med"/>
-                    </a:lnR>
-                    <a:lnT w="3810" cap="flat" cmpd="sng" algn="ctr">
-                      <a:solidFill>
-                        <a:srgbClr val="BBBBBB"/>
-                      </a:solidFill>
-                      <a:prstDash val="solid"/>
-                      <a:round/>
-                      <a:headEnd type="none" w="med" len="med"/>
-                      <a:tailEnd type="none" w="med" len="med"/>
-                    </a:lnT>
-                    <a:lnB w="13970" cap="flat" cmpd="sng" algn="ctr">
-                      <a:solidFill>
-                        <a:srgbClr val="000000"/>
-                      </a:solidFill>
-                      <a:prstDash val="solid"/>
-                      <a:round/>
-                      <a:headEnd type="none" w="med" len="med"/>
-                      <a:tailEnd type="none" w="med" len="med"/>
-                    </a:lnB>
-                  </a:tcPr>
-                </a:tc>
-                <a:tc>
-                  <a:txBody>
-                    <a:bodyPr/>
-                    <a:lstStyle/>
-                    <a:p>
-                      <a:pPr algn="ctr">
-                        <a:lnSpc>
-                          <a:spcPct val="160000"/>
-                        </a:lnSpc>
-                        <a:spcBef>
-                          <a:spcPts val="0"/>
-                        </a:spcBef>
-                        <a:spcAft>
-                          <a:spcPts val="0"/>
-                        </a:spcAft>
-                      </a:pPr>
-                      <a:r>
-                        <a:rPr lang="ko-KR" altLang="fr-FR" sz="1000">
-                          <a:solidFill>
-                            <a:srgbClr val="000000"/>
-                          </a:solidFill>
-                          <a:effectLst/>
-                          <a:latin typeface="맑은 고딕" panose="020B0503020000020004" pitchFamily="50" charset="-127"/>
-                          <a:ea typeface="맑은 고딕" panose="020B0503020000020004" pitchFamily="50" charset="-127"/>
-                        </a:rPr>
-                        <a:t>높음</a:t>
-                      </a:r>
-                      <a:endParaRPr lang="ko-KR" altLang="fr-FR">
-                        <a:effectLst/>
-                      </a:endParaRPr>
-                    </a:p>
-                  </a:txBody>
-                  <a:tcPr marL="53340" marR="53340" marT="53340" marB="53340" anchor="ctr">
-                    <a:lnL w="3810" cap="flat" cmpd="sng" algn="ctr">
-                      <a:solidFill>
-                        <a:srgbClr val="BBBBBB"/>
-                      </a:solidFill>
-                      <a:prstDash val="solid"/>
-                      <a:round/>
-                      <a:headEnd type="none" w="med" len="med"/>
-                      <a:tailEnd type="none" w="med" len="med"/>
-                    </a:lnL>
-                    <a:lnR w="3810" cap="flat" cmpd="sng" algn="ctr">
-                      <a:solidFill>
-                        <a:srgbClr val="BBBBBB"/>
-                      </a:solidFill>
-                      <a:prstDash val="solid"/>
-                      <a:round/>
-                      <a:headEnd type="none" w="med" len="med"/>
-                      <a:tailEnd type="none" w="med" len="med"/>
-                    </a:lnR>
-                    <a:lnT w="3810" cap="flat" cmpd="sng" algn="ctr">
-                      <a:solidFill>
-                        <a:srgbClr val="BBBBBB"/>
-                      </a:solidFill>
-                      <a:prstDash val="solid"/>
-                      <a:round/>
-                      <a:headEnd type="none" w="med" len="med"/>
-                      <a:tailEnd type="none" w="med" len="med"/>
-                    </a:lnT>
-                    <a:lnB w="13970" cap="flat" cmpd="sng" algn="ctr">
-                      <a:solidFill>
-                        <a:srgbClr val="000000"/>
-                      </a:solidFill>
-                      <a:prstDash val="solid"/>
-                      <a:round/>
-                      <a:headEnd type="none" w="med" len="med"/>
-                      <a:tailEnd type="none" w="med" len="med"/>
-                    </a:lnB>
-                  </a:tcPr>
-                </a:tc>
-                <a:tc>
-                  <a:txBody>
-                    <a:bodyPr/>
-                    <a:lstStyle/>
-                    <a:p>
-                      <a:pPr algn="ctr">
-                        <a:lnSpc>
-                          <a:spcPct val="160000"/>
-                        </a:lnSpc>
-                        <a:spcBef>
-                          <a:spcPts val="0"/>
-                        </a:spcBef>
-                        <a:spcAft>
-                          <a:spcPts val="0"/>
-                        </a:spcAft>
-                      </a:pPr>
-                      <a:r>
-                        <a:rPr lang="ko-KR" altLang="fr-FR" sz="1000">
-                          <a:solidFill>
-                            <a:srgbClr val="000000"/>
-                          </a:solidFill>
-                          <a:effectLst/>
-                          <a:latin typeface="맑은 고딕" panose="020B0503020000020004" pitchFamily="50" charset="-127"/>
-                          <a:ea typeface="맑은 고딕" panose="020B0503020000020004" pitchFamily="50" charset="-127"/>
-                        </a:rPr>
-                        <a:t>중간</a:t>
-                      </a:r>
-                      <a:endParaRPr lang="ko-KR" altLang="fr-FR">
-                        <a:effectLst/>
-                      </a:endParaRPr>
-                    </a:p>
-                  </a:txBody>
-                  <a:tcPr marL="53340" marR="53340" marT="53340" marB="53340" anchor="ctr">
-                    <a:lnL w="3810" cap="flat" cmpd="sng" algn="ctr">
-                      <a:solidFill>
-                        <a:srgbClr val="BBBBBB"/>
-                      </a:solidFill>
-                      <a:prstDash val="solid"/>
-                      <a:round/>
-                      <a:headEnd type="none" w="med" len="med"/>
-                      <a:tailEnd type="none" w="med" len="med"/>
-                    </a:lnL>
-                    <a:lnR w="13970" cap="flat" cmpd="sng" algn="ctr">
-                      <a:solidFill>
-                        <a:srgbClr val="000000"/>
-                      </a:solidFill>
-                      <a:prstDash val="solid"/>
-                      <a:round/>
-                      <a:headEnd type="none" w="med" len="med"/>
-                      <a:tailEnd type="none" w="med" len="med"/>
-                    </a:lnR>
-                    <a:lnT w="3810" cap="flat" cmpd="sng" algn="ctr">
-                      <a:solidFill>
-                        <a:srgbClr val="BBBBBB"/>
-                      </a:solidFill>
-                      <a:prstDash val="solid"/>
-                      <a:round/>
-                      <a:headEnd type="none" w="med" len="med"/>
-                      <a:tailEnd type="none" w="med" len="med"/>
-                    </a:lnT>
-                    <a:lnB w="13970" cap="flat" cmpd="sng" algn="ctr">
-                      <a:solidFill>
-                        <a:srgbClr val="000000"/>
-                      </a:solidFill>
-                      <a:prstDash val="solid"/>
-                      <a:round/>
-                      <a:headEnd type="none" w="med" len="med"/>
-                      <a:tailEnd type="none" w="med" len="med"/>
-                    </a:lnB>
-                  </a:tcPr>
-                </a:tc>
-                <a:extLst>
-                  <a:ext uri="{0D108BD9-81ED-4DB2-BD59-A6C34878D82A}">
-                    <a16:rowId xmlns:a16="http://schemas.microsoft.com/office/drawing/2014/main" val="1392493607"/>
-                  </a:ext>
-                </a:extLst>
-              </a:tr>
-            </a:tbl>
-          </a:graphicData>
-        </a:graphic>
-      </p:graphicFrame>
+          </p:nvPr>
+        </p:nvSpPr>
+        <p:spPr/>
+        <p:txBody>
+          <a:bodyPr/>
+          <a:lstStyle/>
+          <a:p>
+            <a:r>
+              <a:rPr lang="ko-KR" altLang="fr-FR"/>
+              <a:t>팀장</a:t>
+            </a:r>
+            <a:endParaRPr lang="fr-FR" altLang="ko-KR"/>
+          </a:p>
+          <a:p>
+            <a:r>
+              <a:rPr lang="ko-KR" altLang="fr-FR"/>
+              <a:t>클라이언트 개발</a:t>
+            </a:r>
+            <a:endParaRPr lang="fr-FR" altLang="ko-KR"/>
+          </a:p>
+          <a:p>
+            <a:r>
+              <a:rPr lang="fr-FR"/>
+              <a:t>24</a:t>
+            </a:r>
+            <a:r>
+              <a:rPr lang="ko-KR" altLang="fr-FR"/>
+              <a:t>개 파일</a:t>
+            </a:r>
+            <a:r>
+              <a:rPr lang="fr-FR" altLang="ko-KR"/>
+              <a:t>, 2,800</a:t>
+            </a:r>
+            <a:r>
+              <a:rPr lang="ko-KR" altLang="fr-FR"/>
+              <a:t>줄</a:t>
+            </a:r>
+            <a:endParaRPr lang="fr-FR" altLang="ko-KR"/>
+          </a:p>
+          <a:p>
+            <a:r>
+              <a:rPr lang="ko-KR" altLang="fr-FR"/>
+              <a:t>서버코드 지시</a:t>
+            </a:r>
+            <a:endParaRPr lang="fr-FR"/>
+          </a:p>
+        </p:txBody>
+      </p:sp>
     </p:spTree>
     <p:extLst>
       <p:ext uri="{BB962C8B-B14F-4D97-AF65-F5344CB8AC3E}">
-        <p14:creationId xmlns:p14="http://schemas.microsoft.com/office/powerpoint/2010/main" val="2637813354"/>
+        <p14:creationId xmlns:p14="http://schemas.microsoft.com/office/powerpoint/2010/main" val="2089913198"/>
       </p:ext>
     </p:extLst>
   </p:cSld>
@@ -5238,145 +3821,67 @@
           <a:chExt cx="0" cy="0"/>
         </a:xfrm>
       </p:grpSpPr>
-      <p:sp>
-        <p:nvSpPr>
-          <p:cNvPr id="2" name="제목 1">
-            <a:extLst>
-              <a:ext uri="{FF2B5EF4-FFF2-40B4-BE49-F238E27FC236}">
-                <a16:creationId xmlns:a16="http://schemas.microsoft.com/office/drawing/2014/main" id="{FF55B13C-81B0-45BA-9969-6E07E3F4E4C0}"/>
-              </a:ext>
-            </a:extLst>
-          </p:cNvPr>
-          <p:cNvSpPr>
-            <a:spLocks noGrp="1"/>
-          </p:cNvSpPr>
-          <p:nvPr>
-            <p:ph type="title"/>
-          </p:nvPr>
-        </p:nvSpPr>
-        <p:spPr/>
-        <p:txBody>
-          <a:bodyPr/>
-          <a:lstStyle/>
-          <a:p>
-            <a:r>
-              <a:rPr lang="ko-KR" altLang="fr-FR"/>
-              <a:t>기타 성능관련</a:t>
-            </a:r>
-            <a:endParaRPr lang="fr-FR"/>
-          </a:p>
-        </p:txBody>
-      </p:sp>
-      <p:sp>
-        <p:nvSpPr>
-          <p:cNvPr id="3" name="내용 개체 틀 2">
-            <a:extLst>
-              <a:ext uri="{FF2B5EF4-FFF2-40B4-BE49-F238E27FC236}">
-                <a16:creationId xmlns:a16="http://schemas.microsoft.com/office/drawing/2014/main" id="{FA680991-FE4C-4594-A075-CF5B6CF3514D}"/>
-              </a:ext>
-            </a:extLst>
-          </p:cNvPr>
-          <p:cNvSpPr>
-            <a:spLocks noGrp="1"/>
-          </p:cNvSpPr>
-          <p:nvPr>
-            <p:ph idx="1"/>
-          </p:nvPr>
-        </p:nvSpPr>
-        <p:spPr/>
-        <p:txBody>
-          <a:bodyPr>
-            <a:normAutofit/>
+      <p:pic>
+        <p:nvPicPr>
+          <p:cNvPr id="5" name="그림 4">
+            <a:extLst>
+              <a:ext uri="{FF2B5EF4-FFF2-40B4-BE49-F238E27FC236}">
+                <a16:creationId xmlns:a16="http://schemas.microsoft.com/office/drawing/2014/main" id="{535D2007-F97E-4849-A75D-8538DF49454E}"/>
+              </a:ext>
+            </a:extLst>
+          </p:cNvPr>
+          <p:cNvPicPr>
+            <a:picLocks noChangeAspect="1"/>
+          </p:cNvPicPr>
+          <p:nvPr/>
+        </p:nvPicPr>
+        <p:blipFill>
+          <a:blip r:embed="rId2"/>
+          <a:stretch>
+            <a:fillRect/>
+          </a:stretch>
+        </p:blipFill>
+        <p:spPr>
+          <a:xfrm>
+            <a:off x="6201195" y="0"/>
+            <a:ext cx="5990805" cy="6858000"/>
+          </a:xfrm>
+          <a:prstGeom prst="rect">
+            <a:avLst/>
+          </a:prstGeom>
+        </p:spPr>
+      </p:pic>
+      <p:sp>
+        <p:nvSpPr>
+          <p:cNvPr id="6" name="TextBox 5">
+            <a:extLst>
+              <a:ext uri="{FF2B5EF4-FFF2-40B4-BE49-F238E27FC236}">
+                <a16:creationId xmlns:a16="http://schemas.microsoft.com/office/drawing/2014/main" id="{6D94ABD2-8805-4066-ADF5-3735A69F5C31}"/>
+              </a:ext>
+            </a:extLst>
+          </p:cNvPr>
+          <p:cNvSpPr txBox="1"/>
+          <p:nvPr/>
+        </p:nvSpPr>
+        <p:spPr>
+          <a:xfrm>
+            <a:off x="1390650" y="2924175"/>
+            <a:ext cx="3805850" cy="369332"/>
+          </a:xfrm>
+          <a:prstGeom prst="rect">
+            <a:avLst/>
+          </a:prstGeom>
+          <a:noFill/>
+        </p:spPr>
+        <p:txBody>
+          <a:bodyPr wrap="none" rtlCol="0">
+            <a:spAutoFit/>
           </a:bodyPr>
           <a:lstStyle/>
           <a:p>
             <a:r>
               <a:rPr lang="ko-KR" altLang="fr-FR"/>
-              <a:t> 클라이언트 사이드 렌더링 방식</a:t>
-            </a:r>
-            <a:endParaRPr lang="fr-FR" altLang="ko-KR"/>
-          </a:p>
-          <a:p>
-            <a:pPr lvl="1"/>
-            <a:r>
-              <a:rPr lang="ko-KR" altLang="fr-FR"/>
-              <a:t>화면을 그리는 행동</a:t>
-            </a:r>
-            <a:r>
-              <a:rPr lang="fr-FR" altLang="ko-KR"/>
-              <a:t>(</a:t>
-            </a:r>
-            <a:r>
-              <a:rPr lang="ko-KR" altLang="fr-FR"/>
-              <a:t>렌더링</a:t>
-            </a:r>
-            <a:r>
-              <a:rPr lang="fr-FR" altLang="ko-KR"/>
-              <a:t>)</a:t>
-            </a:r>
-            <a:r>
-              <a:rPr lang="ko-KR" altLang="fr-FR"/>
-              <a:t>을 서버가 아니라 클라이언트가 담당</a:t>
-            </a:r>
-            <a:endParaRPr lang="fr-FR" altLang="ko-KR"/>
-          </a:p>
-          <a:p>
-            <a:pPr lvl="1"/>
-            <a:r>
-              <a:rPr lang="ko-KR" altLang="fr-FR"/>
-              <a:t>접속과 동시에 필요한 정보들을 다운받기 때문에 초기 실행속도가 상대적으로 느림</a:t>
-            </a:r>
-            <a:endParaRPr lang="fr-FR" altLang="ko-KR"/>
-          </a:p>
-          <a:p>
-            <a:pPr lvl="1"/>
-            <a:r>
-              <a:rPr lang="ko-KR" altLang="fr-FR"/>
-              <a:t>그러나 우리 웹 앱의 용량이 큰 편이 아니기에 대부분의 모바일 기기에선 무리 없이 잘 작동할 것으로 예상됨</a:t>
-            </a:r>
-            <a:endParaRPr lang="ko-KR" altLang="fr-FR">
-              <a:effectLst/>
-            </a:endParaRPr>
-          </a:p>
-          <a:p>
-            <a:r>
-              <a:rPr lang="ko-KR" altLang="fr-FR"/>
-              <a:t>  </a:t>
-            </a:r>
-            <a:r>
-              <a:rPr lang="fr-FR" altLang="ko-KR"/>
-              <a:t>AWS</a:t>
-            </a:r>
-            <a:r>
-              <a:rPr lang="ko-KR" altLang="fr-FR"/>
-              <a:t>서버 사양</a:t>
-            </a:r>
-            <a:endParaRPr lang="fr-FR" altLang="ko-KR"/>
-          </a:p>
-          <a:p>
-            <a:pPr lvl="1"/>
-            <a:r>
-              <a:rPr lang="ko-KR" altLang="fr-FR"/>
-              <a:t> </a:t>
-            </a:r>
-            <a:r>
-              <a:rPr lang="fr-FR" altLang="ko-KR"/>
-              <a:t>1GB RAM</a:t>
-            </a:r>
-            <a:r>
-              <a:rPr lang="ko-KR" altLang="fr-FR"/>
-              <a:t> </a:t>
-            </a:r>
-            <a:r>
-              <a:rPr lang="fr-FR" altLang="ko-KR"/>
-              <a:t>/ 40GB / SSD </a:t>
-            </a:r>
-          </a:p>
-          <a:p>
-            <a:pPr lvl="1"/>
-            <a:r>
-              <a:rPr lang="ko-KR" altLang="fr-FR"/>
-              <a:t>교내 소프트웨어 전시회에 우리 작품을 출품하고 충분한 시연행사를 거쳐도 충분히 버티는 성능</a:t>
+              <a:t>서버에 배부한 서버코드지시서 예시</a:t>
             </a:r>
             <a:endParaRPr lang="fr-FR"/>
           </a:p>
@@ -5385,7 +3890,7 @@
     </p:spTree>
     <p:extLst>
       <p:ext uri="{BB962C8B-B14F-4D97-AF65-F5344CB8AC3E}">
-        <p14:creationId xmlns:p14="http://schemas.microsoft.com/office/powerpoint/2010/main" val="467109290"/>
+        <p14:creationId xmlns:p14="http://schemas.microsoft.com/office/powerpoint/2010/main" val="3400247229"/>
       </p:ext>
     </p:extLst>
   </p:cSld>
@@ -5414,47 +3919,10 @@
       </p:grpSpPr>
       <p:sp>
         <p:nvSpPr>
-          <p:cNvPr id="2" name="제목 1">
-            <a:extLst>
-              <a:ext uri="{FF2B5EF4-FFF2-40B4-BE49-F238E27FC236}">
-                <a16:creationId xmlns:a16="http://schemas.microsoft.com/office/drawing/2014/main" id="{7AC6F98B-AB17-4E2B-A078-0A6BC727E6C8}"/>
-              </a:ext>
-            </a:extLst>
-          </p:cNvPr>
-          <p:cNvSpPr>
-            <a:spLocks noGrp="1"/>
-          </p:cNvSpPr>
-          <p:nvPr>
-            <p:ph type="title"/>
-          </p:nvPr>
-        </p:nvSpPr>
-        <p:spPr/>
-        <p:txBody>
-          <a:bodyPr/>
-          <a:lstStyle/>
-          <a:p>
-            <a:r>
-              <a:rPr lang="ko-KR" altLang="fr-FR"/>
-              <a:t>팀원 개별발표</a:t>
-            </a:r>
-            <a:r>
-              <a:rPr lang="fr-FR" altLang="ko-KR"/>
-              <a:t>: </a:t>
-            </a:r>
-            <a:r>
-              <a:rPr lang="ko-KR" altLang="fr-FR"/>
-              <a:t>이자룡</a:t>
-            </a:r>
-            <a:endParaRPr lang="fr-FR"/>
-          </a:p>
-        </p:txBody>
-      </p:sp>
-      <p:sp>
-        <p:nvSpPr>
           <p:cNvPr id="3" name="내용 개체 틀 2">
             <a:extLst>
               <a:ext uri="{FF2B5EF4-FFF2-40B4-BE49-F238E27FC236}">
-                <a16:creationId xmlns:a16="http://schemas.microsoft.com/office/drawing/2014/main" id="{72B8B9EC-ABCC-4ECE-98DD-F61C3A70EA08}"/>
+                <a16:creationId xmlns:a16="http://schemas.microsoft.com/office/drawing/2014/main" id="{2F01F53A-5214-4D9B-B86A-06D37CA351CC}"/>
               </a:ext>
             </a:extLst>
           </p:cNvPr>
@@ -5465,48 +3933,178 @@
             <p:ph idx="1"/>
           </p:nvPr>
         </p:nvSpPr>
-        <p:spPr/>
-        <p:txBody>
-          <a:bodyPr/>
-          <a:lstStyle/>
-          <a:p>
-            <a:r>
-              <a:rPr lang="ko-KR" altLang="fr-FR"/>
-              <a:t>팀장</a:t>
-            </a:r>
-            <a:endParaRPr lang="fr-FR" altLang="ko-KR"/>
-          </a:p>
-          <a:p>
-            <a:r>
-              <a:rPr lang="ko-KR" altLang="fr-FR"/>
-              <a:t>클라이언트 개발</a:t>
-            </a:r>
-            <a:endParaRPr lang="fr-FR" altLang="ko-KR"/>
-          </a:p>
+        <p:spPr>
+          <a:xfrm>
+            <a:off x="0" y="0"/>
+            <a:ext cx="12191999" cy="6857999"/>
+          </a:xfrm>
+        </p:spPr>
+        <p:txBody>
+          <a:bodyPr/>
+          <a:lstStyle/>
           <a:p>
             <a:r>
               <a:rPr lang="fr-FR"/>
-              <a:t>24</a:t>
-            </a:r>
-            <a:r>
-              <a:rPr lang="ko-KR" altLang="fr-FR"/>
-              <a:t>개 파일</a:t>
-            </a:r>
-            <a:r>
-              <a:rPr lang="fr-FR" altLang="ko-KR"/>
-              <a:t>, 2,800</a:t>
-            </a:r>
-            <a:r>
-              <a:rPr lang="ko-KR" altLang="fr-FR"/>
-              <a:t>줄</a:t>
-            </a:r>
-            <a:endParaRPr lang="fr-FR" altLang="ko-KR"/>
-          </a:p>
-          <a:p>
-            <a:r>
-              <a:rPr lang="ko-KR" altLang="fr-FR"/>
-              <a:t>서버코드 지시</a:t>
-            </a:r>
+              <a:t>Calendar.vue</a:t>
+            </a:r>
+          </a:p>
+        </p:txBody>
+      </p:sp>
+      <p:pic>
+        <p:nvPicPr>
+          <p:cNvPr id="9218" name="Picture 2">
+            <a:extLst>
+              <a:ext uri="{FF2B5EF4-FFF2-40B4-BE49-F238E27FC236}">
+                <a16:creationId xmlns:a16="http://schemas.microsoft.com/office/drawing/2014/main" id="{041F990D-B3C5-4BDB-B821-549530FA253D}"/>
+              </a:ext>
+            </a:extLst>
+          </p:cNvPr>
+          <p:cNvPicPr>
+            <a:picLocks noChangeAspect="1" noChangeArrowheads="1"/>
+          </p:cNvPicPr>
+          <p:nvPr/>
+        </p:nvPicPr>
+        <p:blipFill>
+          <a:blip r:embed="rId2">
+            <a:extLst>
+              <a:ext uri="{28A0092B-C50C-407E-A947-70E740481C1C}">
+                <a14:useLocalDpi xmlns:a14="http://schemas.microsoft.com/office/drawing/2010/main" val="0"/>
+              </a:ext>
+            </a:extLst>
+          </a:blip>
+          <a:srcRect/>
+          <a:stretch>
+            <a:fillRect/>
+          </a:stretch>
+        </p:blipFill>
+        <p:spPr bwMode="auto">
+          <a:xfrm>
+            <a:off x="228823" y="569206"/>
+            <a:ext cx="2777227" cy="5719586"/>
+          </a:xfrm>
+          <a:prstGeom prst="rect">
+            <a:avLst/>
+          </a:prstGeom>
+          <a:noFill/>
+          <a:extLst>
+            <a:ext uri="{909E8E84-426E-40DD-AFC4-6F175D3DCCD1}">
+              <a14:hiddenFill xmlns:a14="http://schemas.microsoft.com/office/drawing/2010/main">
+                <a:solidFill>
+                  <a:srgbClr val="FFFFFF"/>
+                </a:solidFill>
+              </a14:hiddenFill>
+            </a:ext>
+          </a:extLst>
+        </p:spPr>
+      </p:pic>
+      <p:pic>
+        <p:nvPicPr>
+          <p:cNvPr id="5" name="그림 4">
+            <a:extLst>
+              <a:ext uri="{FF2B5EF4-FFF2-40B4-BE49-F238E27FC236}">
+                <a16:creationId xmlns:a16="http://schemas.microsoft.com/office/drawing/2014/main" id="{6C35D91A-FB29-42B1-A146-F312BEA6DCA6}"/>
+              </a:ext>
+            </a:extLst>
+          </p:cNvPr>
+          <p:cNvPicPr>
+            <a:picLocks noChangeAspect="1"/>
+          </p:cNvPicPr>
+          <p:nvPr/>
+        </p:nvPicPr>
+        <p:blipFill>
+          <a:blip r:embed="rId3"/>
+          <a:stretch>
+            <a:fillRect/>
+          </a:stretch>
+        </p:blipFill>
+        <p:spPr>
+          <a:xfrm>
+            <a:off x="3110282" y="0"/>
+            <a:ext cx="8714635" cy="6858000"/>
+          </a:xfrm>
+          <a:prstGeom prst="rect">
+            <a:avLst/>
+          </a:prstGeom>
+        </p:spPr>
+      </p:pic>
+      <p:pic>
+        <p:nvPicPr>
+          <p:cNvPr id="6" name="그림 5">
+            <a:extLst>
+              <a:ext uri="{FF2B5EF4-FFF2-40B4-BE49-F238E27FC236}">
+                <a16:creationId xmlns:a16="http://schemas.microsoft.com/office/drawing/2014/main" id="{21B1547F-EDB0-49D0-8D6F-FFC98D75672A}"/>
+              </a:ext>
+            </a:extLst>
+          </p:cNvPr>
+          <p:cNvPicPr>
+            <a:picLocks noChangeAspect="1"/>
+          </p:cNvPicPr>
+          <p:nvPr/>
+        </p:nvPicPr>
+        <p:blipFill>
+          <a:blip r:embed="rId4"/>
+          <a:stretch>
+            <a:fillRect/>
+          </a:stretch>
+        </p:blipFill>
+        <p:spPr>
+          <a:xfrm>
+            <a:off x="6934199" y="1990725"/>
+            <a:ext cx="5257800" cy="342900"/>
+          </a:xfrm>
+          <a:prstGeom prst="rect">
+            <a:avLst/>
+          </a:prstGeom>
+        </p:spPr>
+      </p:pic>
+      <p:sp>
+        <p:nvSpPr>
+          <p:cNvPr id="7" name="직사각형 6">
+            <a:extLst>
+              <a:ext uri="{FF2B5EF4-FFF2-40B4-BE49-F238E27FC236}">
+                <a16:creationId xmlns:a16="http://schemas.microsoft.com/office/drawing/2014/main" id="{BD979E5A-236C-4D58-B48C-20D5E2016F73}"/>
+              </a:ext>
+            </a:extLst>
+          </p:cNvPr>
+          <p:cNvSpPr/>
+          <p:nvPr/>
+        </p:nvSpPr>
+        <p:spPr>
+          <a:xfrm>
+            <a:off x="6934199" y="1990725"/>
+            <a:ext cx="5153026" cy="342900"/>
+          </a:xfrm>
+          <a:prstGeom prst="rect">
+            <a:avLst/>
+          </a:prstGeom>
+          <a:noFill/>
+          <a:ln>
+            <a:solidFill>
+              <a:srgbClr val="FF0000"/>
+            </a:solidFill>
+          </a:ln>
+        </p:spPr>
+        <p:style>
+          <a:lnRef idx="2">
+            <a:schemeClr val="accent1">
+              <a:shade val="50000"/>
+            </a:schemeClr>
+          </a:lnRef>
+          <a:fillRef idx="1">
+            <a:schemeClr val="accent1"/>
+          </a:fillRef>
+          <a:effectRef idx="0">
+            <a:schemeClr val="accent1"/>
+          </a:effectRef>
+          <a:fontRef idx="minor">
+            <a:schemeClr val="lt1"/>
+          </a:fontRef>
+        </p:style>
+        <p:txBody>
+          <a:bodyPr rtlCol="0" anchor="ctr"/>
+          <a:lstStyle/>
+          <a:p>
+            <a:pPr algn="ctr"/>
             <a:endParaRPr lang="fr-FR"/>
           </a:p>
         </p:txBody>
@@ -5514,7 +4112,7 @@
     </p:spTree>
     <p:extLst>
       <p:ext uri="{BB962C8B-B14F-4D97-AF65-F5344CB8AC3E}">
-        <p14:creationId xmlns:p14="http://schemas.microsoft.com/office/powerpoint/2010/main" val="2089913198"/>
+        <p14:creationId xmlns:p14="http://schemas.microsoft.com/office/powerpoint/2010/main" val="3942023281"/>
       </p:ext>
     </p:extLst>
   </p:cSld>
@@ -5543,10 +4141,10 @@
       </p:grpSpPr>
       <p:pic>
         <p:nvPicPr>
-          <p:cNvPr id="5" name="그림 4">
-            <a:extLst>
-              <a:ext uri="{FF2B5EF4-FFF2-40B4-BE49-F238E27FC236}">
-                <a16:creationId xmlns:a16="http://schemas.microsoft.com/office/drawing/2014/main" id="{535D2007-F97E-4849-A75D-8538DF49454E}"/>
+          <p:cNvPr id="4" name="그림 3">
+            <a:extLst>
+              <a:ext uri="{FF2B5EF4-FFF2-40B4-BE49-F238E27FC236}">
+                <a16:creationId xmlns:a16="http://schemas.microsoft.com/office/drawing/2014/main" id="{09C46970-F98B-4C7E-96AF-7E7CBD1F3181}"/>
               </a:ext>
             </a:extLst>
           </p:cNvPr>
@@ -5563,54 +4161,84 @@
         </p:blipFill>
         <p:spPr>
           <a:xfrm>
-            <a:off x="6201195" y="0"/>
-            <a:ext cx="5990805" cy="6858000"/>
+            <a:off x="0" y="542364"/>
+            <a:ext cx="6129157" cy="5773271"/>
           </a:xfrm>
           <a:prstGeom prst="rect">
             <a:avLst/>
           </a:prstGeom>
         </p:spPr>
       </p:pic>
-      <p:sp>
-        <p:nvSpPr>
-          <p:cNvPr id="6" name="TextBox 5">
-            <a:extLst>
-              <a:ext uri="{FF2B5EF4-FFF2-40B4-BE49-F238E27FC236}">
-                <a16:creationId xmlns:a16="http://schemas.microsoft.com/office/drawing/2014/main" id="{6D94ABD2-8805-4066-ADF5-3735A69F5C31}"/>
-              </a:ext>
-            </a:extLst>
-          </p:cNvPr>
-          <p:cNvSpPr txBox="1"/>
+      <p:pic>
+        <p:nvPicPr>
+          <p:cNvPr id="5" name="그림 4">
+            <a:extLst>
+              <a:ext uri="{FF2B5EF4-FFF2-40B4-BE49-F238E27FC236}">
+                <a16:creationId xmlns:a16="http://schemas.microsoft.com/office/drawing/2014/main" id="{F98A3757-0901-427A-BE81-ADD1888658D5}"/>
+              </a:ext>
+            </a:extLst>
+          </p:cNvPr>
+          <p:cNvPicPr>
+            <a:picLocks noChangeAspect="1"/>
+          </p:cNvPicPr>
           <p:nvPr/>
-        </p:nvSpPr>
+        </p:nvPicPr>
+        <p:blipFill>
+          <a:blip r:embed="rId3"/>
+          <a:stretch>
+            <a:fillRect/>
+          </a:stretch>
+        </p:blipFill>
         <p:spPr>
           <a:xfrm>
-            <a:off x="1390650" y="2924175"/>
-            <a:ext cx="3805850" cy="369332"/>
+            <a:off x="6227492" y="542364"/>
+            <a:ext cx="5964508" cy="4031037"/>
           </a:xfrm>
           <a:prstGeom prst="rect">
             <a:avLst/>
           </a:prstGeom>
-          <a:noFill/>
         </p:spPr>
-        <p:txBody>
-          <a:bodyPr wrap="none" rtlCol="0">
-            <a:spAutoFit/>
-          </a:bodyPr>
-          <a:lstStyle/>
-          <a:p>
-            <a:r>
-              <a:rPr lang="ko-KR" altLang="fr-FR"/>
-              <a:t>서버에 배부한 서버코드지시서 예시</a:t>
-            </a:r>
-            <a:endParaRPr lang="fr-FR"/>
-          </a:p>
-        </p:txBody>
-      </p:sp>
+      </p:pic>
+      <p:cxnSp>
+        <p:nvCxnSpPr>
+          <p:cNvPr id="7" name="직선 연결선 6">
+            <a:extLst>
+              <a:ext uri="{FF2B5EF4-FFF2-40B4-BE49-F238E27FC236}">
+                <a16:creationId xmlns:a16="http://schemas.microsoft.com/office/drawing/2014/main" id="{3672533B-0153-4075-99C5-966274F12378}"/>
+              </a:ext>
+            </a:extLst>
+          </p:cNvPr>
+          <p:cNvCxnSpPr/>
+          <p:nvPr/>
+        </p:nvCxnSpPr>
+        <p:spPr>
+          <a:xfrm>
+            <a:off x="6129157" y="0"/>
+            <a:ext cx="0" cy="6858000"/>
+          </a:xfrm>
+          <a:prstGeom prst="line">
+            <a:avLst/>
+          </a:prstGeom>
+        </p:spPr>
+        <p:style>
+          <a:lnRef idx="1">
+            <a:schemeClr val="accent1"/>
+          </a:lnRef>
+          <a:fillRef idx="0">
+            <a:schemeClr val="accent1"/>
+          </a:fillRef>
+          <a:effectRef idx="0">
+            <a:schemeClr val="accent1"/>
+          </a:effectRef>
+          <a:fontRef idx="minor">
+            <a:schemeClr val="tx1"/>
+          </a:fontRef>
+        </p:style>
+      </p:cxnSp>
     </p:spTree>
     <p:extLst>
       <p:ext uri="{BB962C8B-B14F-4D97-AF65-F5344CB8AC3E}">
-        <p14:creationId xmlns:p14="http://schemas.microsoft.com/office/powerpoint/2010/main" val="3400247229"/>
+        <p14:creationId xmlns:p14="http://schemas.microsoft.com/office/powerpoint/2010/main" val="3827728677"/>
       </p:ext>
     </p:extLst>
   </p:cSld>
@@ -5637,90 +4265,40 @@
           <a:chExt cx="0" cy="0"/>
         </a:xfrm>
       </p:grpSpPr>
-      <p:sp>
-        <p:nvSpPr>
-          <p:cNvPr id="3" name="내용 개체 틀 2">
-            <a:extLst>
-              <a:ext uri="{FF2B5EF4-FFF2-40B4-BE49-F238E27FC236}">
-                <a16:creationId xmlns:a16="http://schemas.microsoft.com/office/drawing/2014/main" id="{2F01F53A-5214-4D9B-B86A-06D37CA351CC}"/>
-              </a:ext>
-            </a:extLst>
-          </p:cNvPr>
-          <p:cNvSpPr>
-            <a:spLocks noGrp="1"/>
-          </p:cNvSpPr>
-          <p:nvPr>
-            <p:ph idx="1"/>
-          </p:nvPr>
-        </p:nvSpPr>
-        <p:spPr>
-          <a:xfrm>
-            <a:off x="0" y="0"/>
-            <a:ext cx="12191999" cy="6857999"/>
-          </a:xfrm>
-        </p:spPr>
-        <p:txBody>
-          <a:bodyPr/>
-          <a:lstStyle/>
-          <a:p>
-            <a:r>
-              <a:rPr lang="fr-FR"/>
-              <a:t>Calendar.vue</a:t>
-            </a:r>
-          </a:p>
-        </p:txBody>
-      </p:sp>
       <p:pic>
         <p:nvPicPr>
-          <p:cNvPr id="9218" name="Picture 2">
-            <a:extLst>
-              <a:ext uri="{FF2B5EF4-FFF2-40B4-BE49-F238E27FC236}">
-                <a16:creationId xmlns:a16="http://schemas.microsoft.com/office/drawing/2014/main" id="{041F990D-B3C5-4BDB-B821-549530FA253D}"/>
+          <p:cNvPr id="4" name="그림 3">
+            <a:extLst>
+              <a:ext uri="{FF2B5EF4-FFF2-40B4-BE49-F238E27FC236}">
+                <a16:creationId xmlns:a16="http://schemas.microsoft.com/office/drawing/2014/main" id="{2A81C859-D07D-4020-956D-02E852F311DA}"/>
               </a:ext>
             </a:extLst>
           </p:cNvPr>
           <p:cNvPicPr>
-            <a:picLocks noChangeAspect="1" noChangeArrowheads="1"/>
+            <a:picLocks noChangeAspect="1"/>
           </p:cNvPicPr>
           <p:nvPr/>
         </p:nvPicPr>
         <p:blipFill>
-          <a:blip r:embed="rId2">
-            <a:extLst>
-              <a:ext uri="{28A0092B-C50C-407E-A947-70E740481C1C}">
-                <a14:useLocalDpi xmlns:a14="http://schemas.microsoft.com/office/drawing/2010/main" val="0"/>
-              </a:ext>
-            </a:extLst>
-          </a:blip>
-          <a:srcRect/>
+          <a:blip r:embed="rId2"/>
           <a:stretch>
             <a:fillRect/>
           </a:stretch>
         </p:blipFill>
-        <p:spPr bwMode="auto">
+        <p:spPr>
           <a:xfrm>
-            <a:off x="228823" y="569206"/>
-            <a:ext cx="2777227" cy="5719586"/>
+            <a:off x="1205753" y="342900"/>
+            <a:ext cx="5638800" cy="6172200"/>
           </a:xfrm>
           <a:prstGeom prst="rect">
             <a:avLst/>
           </a:prstGeom>
-          <a:noFill/>
-          <a:extLst>
-            <a:ext uri="{909E8E84-426E-40DD-AFC4-6F175D3DCCD1}">
-              <a14:hiddenFill xmlns:a14="http://schemas.microsoft.com/office/drawing/2010/main">
-                <a:solidFill>
-                  <a:srgbClr val="FFFFFF"/>
-                </a:solidFill>
-              </a14:hiddenFill>
-            </a:ext>
-          </a:extLst>
         </p:spPr>
       </p:pic>
     </p:spTree>
     <p:extLst>
       <p:ext uri="{BB962C8B-B14F-4D97-AF65-F5344CB8AC3E}">
-        <p14:creationId xmlns:p14="http://schemas.microsoft.com/office/powerpoint/2010/main" val="3942023281"/>
+        <p14:creationId xmlns:p14="http://schemas.microsoft.com/office/powerpoint/2010/main" val="3642608131"/>
       </p:ext>
     </p:extLst>
   </p:cSld>
@@ -5747,72 +4325,164 @@
           <a:chExt cx="0" cy="0"/>
         </a:xfrm>
       </p:grpSpPr>
-      <p:sp>
-        <p:nvSpPr>
-          <p:cNvPr id="2" name="제목 1">
-            <a:extLst>
-              <a:ext uri="{FF2B5EF4-FFF2-40B4-BE49-F238E27FC236}">
-                <a16:creationId xmlns:a16="http://schemas.microsoft.com/office/drawing/2014/main" id="{580D3B0D-C95B-4259-9A60-DF2129C4D70E}"/>
-              </a:ext>
-            </a:extLst>
-          </p:cNvPr>
-          <p:cNvSpPr>
-            <a:spLocks noGrp="1"/>
-          </p:cNvSpPr>
-          <p:nvPr>
-            <p:ph type="title"/>
-          </p:nvPr>
-        </p:nvSpPr>
-        <p:spPr/>
-        <p:txBody>
-          <a:bodyPr/>
-          <a:lstStyle/>
-          <a:p>
-            <a:r>
-              <a:rPr lang="ko-KR" altLang="fr-FR"/>
-              <a:t>팀원 개별발표</a:t>
-            </a:r>
-            <a:r>
-              <a:rPr lang="fr-FR" altLang="ko-KR"/>
-              <a:t>: </a:t>
-            </a:r>
-            <a:r>
-              <a:rPr lang="ko-KR" altLang="fr-FR"/>
-              <a:t>제태경</a:t>
-            </a:r>
-            <a:endParaRPr lang="fr-FR"/>
-          </a:p>
-        </p:txBody>
-      </p:sp>
-      <p:sp>
-        <p:nvSpPr>
-          <p:cNvPr id="3" name="내용 개체 틀 2">
-            <a:extLst>
-              <a:ext uri="{FF2B5EF4-FFF2-40B4-BE49-F238E27FC236}">
-                <a16:creationId xmlns:a16="http://schemas.microsoft.com/office/drawing/2014/main" id="{9B84FA17-3F76-4E29-A99F-E5A8B34E37C8}"/>
-              </a:ext>
-            </a:extLst>
-          </p:cNvPr>
-          <p:cNvSpPr>
-            <a:spLocks noGrp="1"/>
-          </p:cNvSpPr>
-          <p:nvPr>
-            <p:ph idx="1"/>
-          </p:nvPr>
-        </p:nvSpPr>
-        <p:spPr/>
-        <p:txBody>
-          <a:bodyPr/>
-          <a:lstStyle/>
-          <a:p>
-            <a:endParaRPr lang="fr-FR"/>
-          </a:p>
-        </p:txBody>
-      </p:sp>
+      <p:pic>
+        <p:nvPicPr>
+          <p:cNvPr id="4" name="그림 3">
+            <a:extLst>
+              <a:ext uri="{FF2B5EF4-FFF2-40B4-BE49-F238E27FC236}">
+                <a16:creationId xmlns:a16="http://schemas.microsoft.com/office/drawing/2014/main" id="{FB0157B5-95F7-4530-81B3-F174E5274F0E}"/>
+              </a:ext>
+            </a:extLst>
+          </p:cNvPr>
+          <p:cNvPicPr>
+            <a:picLocks noChangeAspect="1"/>
+          </p:cNvPicPr>
+          <p:nvPr/>
+        </p:nvPicPr>
+        <p:blipFill>
+          <a:blip r:embed="rId2"/>
+          <a:stretch>
+            <a:fillRect/>
+          </a:stretch>
+        </p:blipFill>
+        <p:spPr>
+          <a:xfrm>
+            <a:off x="400051" y="2012919"/>
+            <a:ext cx="5343525" cy="2362200"/>
+          </a:xfrm>
+          <a:prstGeom prst="rect">
+            <a:avLst/>
+          </a:prstGeom>
+        </p:spPr>
+      </p:pic>
+      <p:pic>
+        <p:nvPicPr>
+          <p:cNvPr id="5" name="그림 4">
+            <a:extLst>
+              <a:ext uri="{FF2B5EF4-FFF2-40B4-BE49-F238E27FC236}">
+                <a16:creationId xmlns:a16="http://schemas.microsoft.com/office/drawing/2014/main" id="{A4D83D5D-1586-4A92-AC9B-35BC4467F2EA}"/>
+              </a:ext>
+            </a:extLst>
+          </p:cNvPr>
+          <p:cNvPicPr>
+            <a:picLocks noChangeAspect="1"/>
+          </p:cNvPicPr>
+          <p:nvPr/>
+        </p:nvPicPr>
+        <p:blipFill>
+          <a:blip r:embed="rId3"/>
+          <a:stretch>
+            <a:fillRect/>
+          </a:stretch>
+        </p:blipFill>
+        <p:spPr>
+          <a:xfrm>
+            <a:off x="6448425" y="431769"/>
+            <a:ext cx="5543550" cy="5994461"/>
+          </a:xfrm>
+          <a:prstGeom prst="rect">
+            <a:avLst/>
+          </a:prstGeom>
+        </p:spPr>
+      </p:pic>
+      <p:sp>
+        <p:nvSpPr>
+          <p:cNvPr id="6" name="직사각형 5">
+            <a:extLst>
+              <a:ext uri="{FF2B5EF4-FFF2-40B4-BE49-F238E27FC236}">
+                <a16:creationId xmlns:a16="http://schemas.microsoft.com/office/drawing/2014/main" id="{6FE1223E-35E6-4D2C-81E3-CEBC4279F9EF}"/>
+              </a:ext>
+            </a:extLst>
+          </p:cNvPr>
+          <p:cNvSpPr/>
+          <p:nvPr/>
+        </p:nvSpPr>
+        <p:spPr>
+          <a:xfrm>
+            <a:off x="1152525" y="3428999"/>
+            <a:ext cx="3657600" cy="400051"/>
+          </a:xfrm>
+          <a:prstGeom prst="rect">
+            <a:avLst/>
+          </a:prstGeom>
+          <a:noFill/>
+          <a:ln w="28575">
+            <a:solidFill>
+              <a:srgbClr val="FF0000"/>
+            </a:solidFill>
+          </a:ln>
+        </p:spPr>
+        <p:style>
+          <a:lnRef idx="2">
+            <a:schemeClr val="accent1">
+              <a:shade val="50000"/>
+            </a:schemeClr>
+          </a:lnRef>
+          <a:fillRef idx="1">
+            <a:schemeClr val="accent1"/>
+          </a:fillRef>
+          <a:effectRef idx="0">
+            <a:schemeClr val="accent1"/>
+          </a:effectRef>
+          <a:fontRef idx="minor">
+            <a:schemeClr val="lt1"/>
+          </a:fontRef>
+        </p:style>
+        <p:txBody>
+          <a:bodyPr rtlCol="0" anchor="ctr"/>
+          <a:lstStyle/>
+          <a:p>
+            <a:pPr algn="ctr"/>
+            <a:endParaRPr lang="fr-FR"/>
+          </a:p>
+        </p:txBody>
+      </p:sp>
+      <p:cxnSp>
+        <p:nvCxnSpPr>
+          <p:cNvPr id="8" name="직선 화살표 연결선 7">
+            <a:extLst>
+              <a:ext uri="{FF2B5EF4-FFF2-40B4-BE49-F238E27FC236}">
+                <a16:creationId xmlns:a16="http://schemas.microsoft.com/office/drawing/2014/main" id="{8A84F444-2656-4289-ACF6-F4025D779FAD}"/>
+              </a:ext>
+            </a:extLst>
+          </p:cNvPr>
+          <p:cNvCxnSpPr/>
+          <p:nvPr/>
+        </p:nvCxnSpPr>
+        <p:spPr>
+          <a:xfrm flipV="1">
+            <a:off x="4810125" y="779929"/>
+            <a:ext cx="1716181" cy="2649070"/>
+          </a:xfrm>
+          <a:prstGeom prst="straightConnector1">
+            <a:avLst/>
+          </a:prstGeom>
+          <a:ln w="28575">
+            <a:solidFill>
+              <a:srgbClr val="FF0000"/>
+            </a:solidFill>
+            <a:tailEnd type="triangle"/>
+          </a:ln>
+        </p:spPr>
+        <p:style>
+          <a:lnRef idx="1">
+            <a:schemeClr val="accent1"/>
+          </a:lnRef>
+          <a:fillRef idx="0">
+            <a:schemeClr val="accent1"/>
+          </a:fillRef>
+          <a:effectRef idx="0">
+            <a:schemeClr val="accent1"/>
+          </a:effectRef>
+          <a:fontRef idx="minor">
+            <a:schemeClr val="tx1"/>
+          </a:fontRef>
+        </p:style>
+      </p:cxnSp>
     </p:spTree>
     <p:extLst>
       <p:ext uri="{BB962C8B-B14F-4D97-AF65-F5344CB8AC3E}">
-        <p14:creationId xmlns:p14="http://schemas.microsoft.com/office/powerpoint/2010/main" val="4120216435"/>
+        <p14:creationId xmlns:p14="http://schemas.microsoft.com/office/powerpoint/2010/main" val="3686592804"/>
       </p:ext>
     </p:extLst>
   </p:cSld>
@@ -5844,7 +4514,7 @@
           <p:cNvPr id="2" name="제목 1">
             <a:extLst>
               <a:ext uri="{FF2B5EF4-FFF2-40B4-BE49-F238E27FC236}">
-                <a16:creationId xmlns:a16="http://schemas.microsoft.com/office/drawing/2014/main" id="{06FEC2C5-51D5-4315-B2EB-B60667206A98}"/>
+                <a16:creationId xmlns:a16="http://schemas.microsoft.com/office/drawing/2014/main" id="{580D3B0D-C95B-4259-9A60-DF2129C4D70E}"/>
               </a:ext>
             </a:extLst>
           </p:cNvPr>
@@ -5870,7 +4540,7 @@
             </a:r>
             <a:r>
               <a:rPr lang="ko-KR" altLang="fr-FR"/>
-              <a:t>박명인</a:t>
+              <a:t>제태경</a:t>
             </a:r>
             <a:endParaRPr lang="fr-FR"/>
           </a:p>
@@ -5881,7 +4551,7 @@
           <p:cNvPr id="3" name="내용 개체 틀 2">
             <a:extLst>
               <a:ext uri="{FF2B5EF4-FFF2-40B4-BE49-F238E27FC236}">
-                <a16:creationId xmlns:a16="http://schemas.microsoft.com/office/drawing/2014/main" id="{EFFD451E-1587-4AE1-A4CB-5EAA448AD3E7}"/>
+                <a16:creationId xmlns:a16="http://schemas.microsoft.com/office/drawing/2014/main" id="{9B84FA17-3F76-4E29-A99F-E5A8B34E37C8}"/>
               </a:ext>
             </a:extLst>
           </p:cNvPr>
@@ -5897,14 +4567,105 @@
           <a:bodyPr/>
           <a:lstStyle/>
           <a:p>
-            <a:endParaRPr lang="fr-FR"/>
+            <a:r>
+              <a:rPr lang="ko-KR" altLang="fr-FR">
+                <a:solidFill>
+                  <a:srgbClr val="FF0000"/>
+                </a:solidFill>
+              </a:rPr>
+              <a:t>클라이언트 설명과 매끄럽게 이어지기 위해</a:t>
+            </a:r>
+            <a:r>
+              <a:rPr lang="fr-FR" altLang="ko-KR">
+                <a:solidFill>
+                  <a:srgbClr val="FF0000"/>
+                </a:solidFill>
+              </a:rPr>
+              <a:t>, getMoneyDetail.php</a:t>
+            </a:r>
+            <a:r>
+              <a:rPr lang="ko-KR" altLang="fr-FR">
+                <a:solidFill>
+                  <a:srgbClr val="FF0000"/>
+                </a:solidFill>
+              </a:rPr>
+              <a:t>파일 설명을 할 것</a:t>
+            </a:r>
+            <a:endParaRPr lang="fr-FR" altLang="ko-KR">
+              <a:solidFill>
+                <a:srgbClr val="FF0000"/>
+              </a:solidFill>
+            </a:endParaRPr>
+          </a:p>
+          <a:p>
+            <a:r>
+              <a:rPr lang="fr-FR">
+                <a:solidFill>
+                  <a:srgbClr val="FF0000"/>
+                </a:solidFill>
+              </a:rPr>
+              <a:t>getMoneyDetail.php </a:t>
+            </a:r>
+            <a:r>
+              <a:rPr lang="ko-KR" altLang="fr-FR">
+                <a:solidFill>
+                  <a:srgbClr val="FF0000"/>
+                </a:solidFill>
+              </a:rPr>
+              <a:t>파일을 설명하는 시간이 </a:t>
+            </a:r>
+            <a:r>
+              <a:rPr lang="fr-FR" altLang="ko-KR">
+                <a:solidFill>
+                  <a:srgbClr val="FF0000"/>
+                </a:solidFill>
+              </a:rPr>
+              <a:t>3</a:t>
+            </a:r>
+            <a:r>
+              <a:rPr lang="ko-KR" altLang="fr-FR">
+                <a:solidFill>
+                  <a:srgbClr val="FF0000"/>
+                </a:solidFill>
+              </a:rPr>
+              <a:t>분을 넘겨버리면</a:t>
+            </a:r>
+            <a:r>
+              <a:rPr lang="fr-FR" altLang="ko-KR">
+                <a:solidFill>
+                  <a:srgbClr val="FF0000"/>
+                </a:solidFill>
+              </a:rPr>
+              <a:t>, </a:t>
+            </a:r>
+            <a:r>
+              <a:rPr lang="ko-KR" altLang="fr-FR">
+                <a:solidFill>
+                  <a:srgbClr val="FF0000"/>
+                </a:solidFill>
+              </a:rPr>
+              <a:t>시간 관계상 다른 작업은 설명하지 말 것</a:t>
+            </a:r>
+            <a:r>
+              <a:rPr lang="fr-FR" altLang="ko-KR">
+                <a:solidFill>
+                  <a:srgbClr val="FF0000"/>
+                </a:solidFill>
+              </a:rPr>
+              <a:t>.</a:t>
+            </a:r>
+            <a:endParaRPr lang="fr-FR">
+              <a:solidFill>
+                <a:srgbClr val="FF0000"/>
+              </a:solidFill>
+            </a:endParaRPr>
           </a:p>
         </p:txBody>
       </p:sp>
     </p:spTree>
     <p:extLst>
       <p:ext uri="{BB962C8B-B14F-4D97-AF65-F5344CB8AC3E}">
-        <p14:creationId xmlns:p14="http://schemas.microsoft.com/office/powerpoint/2010/main" val="1948733651"/>
+        <p14:creationId xmlns:p14="http://schemas.microsoft.com/office/powerpoint/2010/main" val="4120216435"/>
       </p:ext>
     </p:extLst>
   </p:cSld>
@@ -5936,7 +4697,7 @@
           <p:cNvPr id="2" name="제목 1">
             <a:extLst>
               <a:ext uri="{FF2B5EF4-FFF2-40B4-BE49-F238E27FC236}">
-                <a16:creationId xmlns:a16="http://schemas.microsoft.com/office/drawing/2014/main" id="{7A9F9C12-2B0F-4969-8DD1-C7DFB70CF378}"/>
+                <a16:creationId xmlns:a16="http://schemas.microsoft.com/office/drawing/2014/main" id="{06FEC2C5-51D5-4315-B2EB-B60667206A98}"/>
               </a:ext>
             </a:extLst>
           </p:cNvPr>
@@ -5962,7 +4723,7 @@
             </a:r>
             <a:r>
               <a:rPr lang="ko-KR" altLang="fr-FR"/>
-              <a:t>박수진</a:t>
+              <a:t>박명인</a:t>
             </a:r>
             <a:endParaRPr lang="fr-FR"/>
           </a:p>
@@ -5973,7 +4734,7 @@
           <p:cNvPr id="3" name="내용 개체 틀 2">
             <a:extLst>
               <a:ext uri="{FF2B5EF4-FFF2-40B4-BE49-F238E27FC236}">
-                <a16:creationId xmlns:a16="http://schemas.microsoft.com/office/drawing/2014/main" id="{8DE9C1DB-E104-40D3-8668-01A17D3203B8}"/>
+                <a16:creationId xmlns:a16="http://schemas.microsoft.com/office/drawing/2014/main" id="{EFFD451E-1587-4AE1-A4CB-5EAA448AD3E7}"/>
               </a:ext>
             </a:extLst>
           </p:cNvPr>
@@ -5989,14 +4750,42 @@
           <a:bodyPr/>
           <a:lstStyle/>
           <a:p>
-            <a:endParaRPr lang="fr-FR"/>
+            <a:r>
+              <a:rPr lang="ko-KR" altLang="fr-FR">
+                <a:solidFill>
+                  <a:srgbClr val="FF0000"/>
+                </a:solidFill>
+              </a:rPr>
+              <a:t>주어진 시간 </a:t>
+            </a:r>
+            <a:r>
+              <a:rPr lang="fr-FR" altLang="ko-KR">
+                <a:solidFill>
+                  <a:srgbClr val="FF0000"/>
+                </a:solidFill>
+              </a:rPr>
+              <a:t>3</a:t>
+            </a:r>
+            <a:r>
+              <a:rPr lang="ko-KR" altLang="fr-FR">
+                <a:solidFill>
+                  <a:srgbClr val="FF0000"/>
+                </a:solidFill>
+              </a:rPr>
+              <a:t>분</a:t>
+            </a:r>
+            <a:endParaRPr lang="fr-FR">
+              <a:solidFill>
+                <a:srgbClr val="FF0000"/>
+              </a:solidFill>
+            </a:endParaRPr>
           </a:p>
         </p:txBody>
       </p:sp>
     </p:spTree>
     <p:extLst>
       <p:ext uri="{BB962C8B-B14F-4D97-AF65-F5344CB8AC3E}">
-        <p14:creationId xmlns:p14="http://schemas.microsoft.com/office/powerpoint/2010/main" val="3190519828"/>
+        <p14:creationId xmlns:p14="http://schemas.microsoft.com/office/powerpoint/2010/main" val="1948733651"/>
       </p:ext>
     </p:extLst>
   </p:cSld>
@@ -6137,6 +4926,126 @@
           <p:cNvPr id="2" name="제목 1">
             <a:extLst>
               <a:ext uri="{FF2B5EF4-FFF2-40B4-BE49-F238E27FC236}">
+                <a16:creationId xmlns:a16="http://schemas.microsoft.com/office/drawing/2014/main" id="{7A9F9C12-2B0F-4969-8DD1-C7DFB70CF378}"/>
+              </a:ext>
+            </a:extLst>
+          </p:cNvPr>
+          <p:cNvSpPr>
+            <a:spLocks noGrp="1"/>
+          </p:cNvSpPr>
+          <p:nvPr>
+            <p:ph type="title"/>
+          </p:nvPr>
+        </p:nvSpPr>
+        <p:spPr/>
+        <p:txBody>
+          <a:bodyPr/>
+          <a:lstStyle/>
+          <a:p>
+            <a:r>
+              <a:rPr lang="ko-KR" altLang="fr-FR"/>
+              <a:t>팀원 개별발표</a:t>
+            </a:r>
+            <a:r>
+              <a:rPr lang="fr-FR" altLang="ko-KR"/>
+              <a:t>: </a:t>
+            </a:r>
+            <a:r>
+              <a:rPr lang="ko-KR" altLang="fr-FR"/>
+              <a:t>박수진</a:t>
+            </a:r>
+            <a:endParaRPr lang="fr-FR"/>
+          </a:p>
+        </p:txBody>
+      </p:sp>
+      <p:sp>
+        <p:nvSpPr>
+          <p:cNvPr id="3" name="내용 개체 틀 2">
+            <a:extLst>
+              <a:ext uri="{FF2B5EF4-FFF2-40B4-BE49-F238E27FC236}">
+                <a16:creationId xmlns:a16="http://schemas.microsoft.com/office/drawing/2014/main" id="{8DE9C1DB-E104-40D3-8668-01A17D3203B8}"/>
+              </a:ext>
+            </a:extLst>
+          </p:cNvPr>
+          <p:cNvSpPr>
+            <a:spLocks noGrp="1"/>
+          </p:cNvSpPr>
+          <p:nvPr>
+            <p:ph idx="1"/>
+          </p:nvPr>
+        </p:nvSpPr>
+        <p:spPr/>
+        <p:txBody>
+          <a:bodyPr/>
+          <a:lstStyle/>
+          <a:p>
+            <a:r>
+              <a:rPr lang="ko-KR" altLang="fr-FR">
+                <a:solidFill>
+                  <a:srgbClr val="FF0000"/>
+                </a:solidFill>
+              </a:rPr>
+              <a:t>주어진 시간 </a:t>
+            </a:r>
+            <a:r>
+              <a:rPr lang="fr-FR" altLang="ko-KR">
+                <a:solidFill>
+                  <a:srgbClr val="FF0000"/>
+                </a:solidFill>
+              </a:rPr>
+              <a:t>3</a:t>
+            </a:r>
+            <a:r>
+              <a:rPr lang="ko-KR" altLang="fr-FR">
+                <a:solidFill>
+                  <a:srgbClr val="FF0000"/>
+                </a:solidFill>
+              </a:rPr>
+              <a:t>분</a:t>
+            </a:r>
+            <a:endParaRPr lang="fr-FR">
+              <a:solidFill>
+                <a:srgbClr val="FF0000"/>
+              </a:solidFill>
+            </a:endParaRPr>
+          </a:p>
+        </p:txBody>
+      </p:sp>
+    </p:spTree>
+    <p:extLst>
+      <p:ext uri="{BB962C8B-B14F-4D97-AF65-F5344CB8AC3E}">
+        <p14:creationId xmlns:p14="http://schemas.microsoft.com/office/powerpoint/2010/main" val="3190519828"/>
+      </p:ext>
+    </p:extLst>
+  </p:cSld>
+  <p:clrMapOvr>
+    <a:masterClrMapping/>
+  </p:clrMapOvr>
+</p:sld>
+</file>
+
+<file path=ppt/slides/slide21.xml><?xml version="1.0" encoding="utf-8"?>
+<p:sld xmlns:a="http://schemas.openxmlformats.org/drawingml/2006/main" xmlns:r="http://schemas.openxmlformats.org/officeDocument/2006/relationships" xmlns:p="http://schemas.openxmlformats.org/presentationml/2006/main">
+  <p:cSld>
+    <p:spTree>
+      <p:nvGrpSpPr>
+        <p:cNvPr id="1" name=""/>
+        <p:cNvGrpSpPr/>
+        <p:nvPr/>
+      </p:nvGrpSpPr>
+      <p:grpSpPr>
+        <a:xfrm>
+          <a:off x="0" y="0"/>
+          <a:ext cx="0" cy="0"/>
+          <a:chOff x="0" y="0"/>
+          <a:chExt cx="0" cy="0"/>
+        </a:xfrm>
+      </p:grpSpPr>
+      <p:sp>
+        <p:nvSpPr>
+          <p:cNvPr id="2" name="제목 1">
+            <a:extLst>
+              <a:ext uri="{FF2B5EF4-FFF2-40B4-BE49-F238E27FC236}">
                 <a16:creationId xmlns:a16="http://schemas.microsoft.com/office/drawing/2014/main" id="{5B431A6E-8CDE-440D-B6ED-9B77D43E8E86}"/>
               </a:ext>
             </a:extLst>
@@ -6184,7 +5093,7 @@
           <a:p>
             <a:r>
               <a:rPr lang="ko-KR" altLang="fr-FR"/>
-              <a:t>이번 수업에서 최고의 프로그램이 될 수는 없음</a:t>
+              <a:t>이번 수업에서 최고의 프로그램은 아님</a:t>
             </a:r>
             <a:endParaRPr lang="fr-FR" altLang="ko-KR"/>
           </a:p>
@@ -6263,14 +5172,13 @@
           <a:p>
             <a:pPr lvl="1"/>
             <a:r>
+              <a:rPr lang="ko-KR" altLang="fr-FR"/>
+              <a:t>깔끔하게 제작한 </a:t>
+            </a:r>
+            <a:r>
               <a:rPr lang="fr-FR" altLang="ko-KR"/>
-              <a:t>UI </a:t>
-            </a:r>
-            <a:r>
-              <a:rPr lang="ko-KR" altLang="fr-FR"/>
-              <a:t>깔끔</a:t>
-            </a:r>
-            <a:endParaRPr lang="fr-FR" altLang="ko-KR"/>
+              <a:t>UI</a:t>
+            </a:r>
           </a:p>
           <a:p>
             <a:pPr lvl="1"/>
@@ -6317,6 +5225,64 @@
     <p:extLst>
       <p:ext uri="{BB962C8B-B14F-4D97-AF65-F5344CB8AC3E}">
         <p14:creationId xmlns:p14="http://schemas.microsoft.com/office/powerpoint/2010/main" val="4259633306"/>
+      </p:ext>
+    </p:extLst>
+  </p:cSld>
+  <p:clrMapOvr>
+    <a:masterClrMapping/>
+  </p:clrMapOvr>
+</p:sld>
+</file>
+
+<file path=ppt/slides/slide22.xml><?xml version="1.0" encoding="utf-8"?>
+<p:sld xmlns:a="http://schemas.openxmlformats.org/drawingml/2006/main" xmlns:r="http://schemas.openxmlformats.org/officeDocument/2006/relationships" xmlns:p="http://schemas.openxmlformats.org/presentationml/2006/main">
+  <p:cSld>
+    <p:spTree>
+      <p:nvGrpSpPr>
+        <p:cNvPr id="1" name=""/>
+        <p:cNvGrpSpPr/>
+        <p:nvPr/>
+      </p:nvGrpSpPr>
+      <p:grpSpPr>
+        <a:xfrm>
+          <a:off x="0" y="0"/>
+          <a:ext cx="0" cy="0"/>
+          <a:chOff x="0" y="0"/>
+          <a:chExt cx="0" cy="0"/>
+        </a:xfrm>
+      </p:grpSpPr>
+      <p:sp>
+        <p:nvSpPr>
+          <p:cNvPr id="2" name="제목 1">
+            <a:extLst>
+              <a:ext uri="{FF2B5EF4-FFF2-40B4-BE49-F238E27FC236}">
+                <a16:creationId xmlns:a16="http://schemas.microsoft.com/office/drawing/2014/main" id="{CAD0AA87-2F14-4BC4-B2B0-39E62CC10493}"/>
+              </a:ext>
+            </a:extLst>
+          </p:cNvPr>
+          <p:cNvSpPr>
+            <a:spLocks noGrp="1"/>
+          </p:cNvSpPr>
+          <p:nvPr>
+            <p:ph type="title"/>
+          </p:nvPr>
+        </p:nvSpPr>
+        <p:spPr/>
+        <p:txBody>
+          <a:bodyPr/>
+          <a:lstStyle/>
+          <a:p>
+            <a:r>
+              <a:rPr lang="fr-FR"/>
+              <a:t>Q &amp; A</a:t>
+            </a:r>
+          </a:p>
+        </p:txBody>
+      </p:sp>
+    </p:spTree>
+    <p:extLst>
+      <p:ext uri="{BB962C8B-B14F-4D97-AF65-F5344CB8AC3E}">
+        <p14:creationId xmlns:p14="http://schemas.microsoft.com/office/powerpoint/2010/main" val="308736383"/>
       </p:ext>
     </p:extLst>
   </p:cSld>
@@ -6705,7 +5671,7 @@
           <p:nvPr/>
         </p:nvPicPr>
         <p:blipFill>
-          <a:blip r:embed="rId3"/>
+          <a:blip r:embed="rId2"/>
           <a:stretch>
             <a:fillRect/>
           </a:stretch>

--- a/문서자료/AccountBook_최종발표_PPT.pptx
+++ b/문서자료/AccountBook_최종발표_PPT.pptx
@@ -282,7 +282,7 @@
           <a:p>
             <a:fld id="{FC98D931-4309-4B2E-8E8E-EECD51D98351}" type="datetimeFigureOut">
               <a:rPr lang="fr-FR" smtClean="0"/>
-              <a:t>29/05/2020</a:t>
+              <a:t>30/05/2020</a:t>
             </a:fld>
             <a:endParaRPr lang="fr-FR"/>
           </a:p>
@@ -482,7 +482,7 @@
           <a:p>
             <a:fld id="{FC98D931-4309-4B2E-8E8E-EECD51D98351}" type="datetimeFigureOut">
               <a:rPr lang="fr-FR" smtClean="0"/>
-              <a:t>29/05/2020</a:t>
+              <a:t>30/05/2020</a:t>
             </a:fld>
             <a:endParaRPr lang="fr-FR"/>
           </a:p>
@@ -692,7 +692,7 @@
           <a:p>
             <a:fld id="{FC98D931-4309-4B2E-8E8E-EECD51D98351}" type="datetimeFigureOut">
               <a:rPr lang="fr-FR" smtClean="0"/>
-              <a:t>29/05/2020</a:t>
+              <a:t>30/05/2020</a:t>
             </a:fld>
             <a:endParaRPr lang="fr-FR"/>
           </a:p>
@@ -892,7 +892,7 @@
           <a:p>
             <a:fld id="{FC98D931-4309-4B2E-8E8E-EECD51D98351}" type="datetimeFigureOut">
               <a:rPr lang="fr-FR" smtClean="0"/>
-              <a:t>29/05/2020</a:t>
+              <a:t>30/05/2020</a:t>
             </a:fld>
             <a:endParaRPr lang="fr-FR"/>
           </a:p>
@@ -1168,7 +1168,7 @@
           <a:p>
             <a:fld id="{FC98D931-4309-4B2E-8E8E-EECD51D98351}" type="datetimeFigureOut">
               <a:rPr lang="fr-FR" smtClean="0"/>
-              <a:t>29/05/2020</a:t>
+              <a:t>30/05/2020</a:t>
             </a:fld>
             <a:endParaRPr lang="fr-FR"/>
           </a:p>
@@ -1436,7 +1436,7 @@
           <a:p>
             <a:fld id="{FC98D931-4309-4B2E-8E8E-EECD51D98351}" type="datetimeFigureOut">
               <a:rPr lang="fr-FR" smtClean="0"/>
-              <a:t>29/05/2020</a:t>
+              <a:t>30/05/2020</a:t>
             </a:fld>
             <a:endParaRPr lang="fr-FR"/>
           </a:p>
@@ -1851,7 +1851,7 @@
           <a:p>
             <a:fld id="{FC98D931-4309-4B2E-8E8E-EECD51D98351}" type="datetimeFigureOut">
               <a:rPr lang="fr-FR" smtClean="0"/>
-              <a:t>29/05/2020</a:t>
+              <a:t>30/05/2020</a:t>
             </a:fld>
             <a:endParaRPr lang="fr-FR"/>
           </a:p>
@@ -1993,7 +1993,7 @@
           <a:p>
             <a:fld id="{FC98D931-4309-4B2E-8E8E-EECD51D98351}" type="datetimeFigureOut">
               <a:rPr lang="fr-FR" smtClean="0"/>
-              <a:t>29/05/2020</a:t>
+              <a:t>30/05/2020</a:t>
             </a:fld>
             <a:endParaRPr lang="fr-FR"/>
           </a:p>
@@ -2106,7 +2106,7 @@
           <a:p>
             <a:fld id="{FC98D931-4309-4B2E-8E8E-EECD51D98351}" type="datetimeFigureOut">
               <a:rPr lang="fr-FR" smtClean="0"/>
-              <a:t>29/05/2020</a:t>
+              <a:t>30/05/2020</a:t>
             </a:fld>
             <a:endParaRPr lang="fr-FR"/>
           </a:p>
@@ -2419,7 +2419,7 @@
           <a:p>
             <a:fld id="{FC98D931-4309-4B2E-8E8E-EECD51D98351}" type="datetimeFigureOut">
               <a:rPr lang="fr-FR" smtClean="0"/>
-              <a:t>29/05/2020</a:t>
+              <a:t>30/05/2020</a:t>
             </a:fld>
             <a:endParaRPr lang="fr-FR"/>
           </a:p>
@@ -2708,7 +2708,7 @@
           <a:p>
             <a:fld id="{FC98D931-4309-4B2E-8E8E-EECD51D98351}" type="datetimeFigureOut">
               <a:rPr lang="fr-FR" smtClean="0"/>
-              <a:t>29/05/2020</a:t>
+              <a:t>30/05/2020</a:t>
             </a:fld>
             <a:endParaRPr lang="fr-FR"/>
           </a:p>
@@ -2951,7 +2951,7 @@
           <a:p>
             <a:fld id="{FC98D931-4309-4B2E-8E8E-EECD51D98351}" type="datetimeFigureOut">
               <a:rPr lang="fr-FR" smtClean="0"/>
-              <a:t>29/05/2020</a:t>
+              <a:t>30/05/2020</a:t>
             </a:fld>
             <a:endParaRPr lang="fr-FR"/>
           </a:p>
@@ -5188,7 +5188,7 @@
             </a:r>
             <a:r>
               <a:rPr lang="fr-FR" altLang="ko-KR"/>
-              <a:t>4,400</a:t>
+              <a:t>4,700</a:t>
             </a:r>
             <a:r>
               <a:rPr lang="ko-KR" altLang="fr-FR"/>
